--- a/static/image/architecture.pptx
+++ b/static/image/architecture.pptx
@@ -259,7 +259,7 @@
           <a:p>
             <a:fld id="{4A45BFCD-7E09-4E02-989A-CF296461D097}" type="datetimeFigureOut">
               <a:rPr kumimoji="1" lang="ja-JP" altLang="en-US" smtClean="0"/>
-              <a:t>2023/3/9</a:t>
+              <a:t>2023/5/2</a:t>
             </a:fld>
             <a:endParaRPr kumimoji="1" lang="ja-JP" altLang="en-US"/>
           </a:p>
@@ -489,7 +489,7 @@
           <a:p>
             <a:fld id="{4A45BFCD-7E09-4E02-989A-CF296461D097}" type="datetimeFigureOut">
               <a:rPr kumimoji="1" lang="ja-JP" altLang="en-US" smtClean="0"/>
-              <a:t>2023/3/9</a:t>
+              <a:t>2023/5/2</a:t>
             </a:fld>
             <a:endParaRPr kumimoji="1" lang="ja-JP" altLang="en-US"/>
           </a:p>
@@ -729,7 +729,7 @@
           <a:p>
             <a:fld id="{4A45BFCD-7E09-4E02-989A-CF296461D097}" type="datetimeFigureOut">
               <a:rPr kumimoji="1" lang="ja-JP" altLang="en-US" smtClean="0"/>
-              <a:t>2023/3/9</a:t>
+              <a:t>2023/5/2</a:t>
             </a:fld>
             <a:endParaRPr kumimoji="1" lang="ja-JP" altLang="en-US"/>
           </a:p>
@@ -959,7 +959,7 @@
           <a:p>
             <a:fld id="{4A45BFCD-7E09-4E02-989A-CF296461D097}" type="datetimeFigureOut">
               <a:rPr kumimoji="1" lang="ja-JP" altLang="en-US" smtClean="0"/>
-              <a:t>2023/3/9</a:t>
+              <a:t>2023/5/2</a:t>
             </a:fld>
             <a:endParaRPr kumimoji="1" lang="ja-JP" altLang="en-US"/>
           </a:p>
@@ -1234,7 +1234,7 @@
           <a:p>
             <a:fld id="{4A45BFCD-7E09-4E02-989A-CF296461D097}" type="datetimeFigureOut">
               <a:rPr kumimoji="1" lang="ja-JP" altLang="en-US" smtClean="0"/>
-              <a:t>2023/3/9</a:t>
+              <a:t>2023/5/2</a:t>
             </a:fld>
             <a:endParaRPr kumimoji="1" lang="ja-JP" altLang="en-US"/>
           </a:p>
@@ -1563,7 +1563,7 @@
           <a:p>
             <a:fld id="{4A45BFCD-7E09-4E02-989A-CF296461D097}" type="datetimeFigureOut">
               <a:rPr kumimoji="1" lang="ja-JP" altLang="en-US" smtClean="0"/>
-              <a:t>2023/3/9</a:t>
+              <a:t>2023/5/2</a:t>
             </a:fld>
             <a:endParaRPr kumimoji="1" lang="ja-JP" altLang="en-US"/>
           </a:p>
@@ -2039,7 +2039,7 @@
           <a:p>
             <a:fld id="{4A45BFCD-7E09-4E02-989A-CF296461D097}" type="datetimeFigureOut">
               <a:rPr kumimoji="1" lang="ja-JP" altLang="en-US" smtClean="0"/>
-              <a:t>2023/3/9</a:t>
+              <a:t>2023/5/2</a:t>
             </a:fld>
             <a:endParaRPr kumimoji="1" lang="ja-JP" altLang="en-US"/>
           </a:p>
@@ -2180,7 +2180,7 @@
           <a:p>
             <a:fld id="{4A45BFCD-7E09-4E02-989A-CF296461D097}" type="datetimeFigureOut">
               <a:rPr kumimoji="1" lang="ja-JP" altLang="en-US" smtClean="0"/>
-              <a:t>2023/3/9</a:t>
+              <a:t>2023/5/2</a:t>
             </a:fld>
             <a:endParaRPr kumimoji="1" lang="ja-JP" altLang="en-US"/>
           </a:p>
@@ -2293,7 +2293,7 @@
           <a:p>
             <a:fld id="{4A45BFCD-7E09-4E02-989A-CF296461D097}" type="datetimeFigureOut">
               <a:rPr kumimoji="1" lang="ja-JP" altLang="en-US" smtClean="0"/>
-              <a:t>2023/3/9</a:t>
+              <a:t>2023/5/2</a:t>
             </a:fld>
             <a:endParaRPr kumimoji="1" lang="ja-JP" altLang="en-US"/>
           </a:p>
@@ -2636,7 +2636,7 @@
           <a:p>
             <a:fld id="{4A45BFCD-7E09-4E02-989A-CF296461D097}" type="datetimeFigureOut">
               <a:rPr kumimoji="1" lang="ja-JP" altLang="en-US" smtClean="0"/>
-              <a:t>2023/3/9</a:t>
+              <a:t>2023/5/2</a:t>
             </a:fld>
             <a:endParaRPr kumimoji="1" lang="ja-JP" altLang="en-US"/>
           </a:p>
@@ -2924,7 +2924,7 @@
           <a:p>
             <a:fld id="{4A45BFCD-7E09-4E02-989A-CF296461D097}" type="datetimeFigureOut">
               <a:rPr kumimoji="1" lang="ja-JP" altLang="en-US" smtClean="0"/>
-              <a:t>2023/3/9</a:t>
+              <a:t>2023/5/2</a:t>
             </a:fld>
             <a:endParaRPr kumimoji="1" lang="ja-JP" altLang="en-US"/>
           </a:p>
@@ -3197,7 +3197,7 @@
           <a:p>
             <a:fld id="{4A45BFCD-7E09-4E02-989A-CF296461D097}" type="datetimeFigureOut">
               <a:rPr kumimoji="1" lang="ja-JP" altLang="en-US" smtClean="0"/>
-              <a:t>2023/3/9</a:t>
+              <a:t>2023/5/2</a:t>
             </a:fld>
             <a:endParaRPr kumimoji="1" lang="ja-JP" altLang="en-US"/>
           </a:p>
@@ -3616,10 +3616,10 @@
       </p:grpSpPr>
       <p:grpSp>
         <p:nvGrpSpPr>
-          <p:cNvPr id="6" name="グループ化 5">
-            <a:extLst>
-              <a:ext uri="{FF2B5EF4-FFF2-40B4-BE49-F238E27FC236}">
-                <a16:creationId xmlns:a16="http://schemas.microsoft.com/office/drawing/2014/main" id="{47D02499-484D-8DB2-0D35-DCF2AECCEAF1}"/>
+          <p:cNvPr id="15" name="グループ化 14">
+            <a:extLst>
+              <a:ext uri="{FF2B5EF4-FFF2-40B4-BE49-F238E27FC236}">
+                <a16:creationId xmlns:a16="http://schemas.microsoft.com/office/drawing/2014/main" id="{B2617A5F-CE1F-7B65-51EB-695242356C16}"/>
               </a:ext>
             </a:extLst>
           </p:cNvPr>
@@ -3634,171 +3634,12 @@
             <a:chExt cx="7114868" cy="3860314"/>
           </a:xfrm>
         </p:grpSpPr>
-        <p:sp>
-          <p:nvSpPr>
-            <p:cNvPr id="11" name="テキスト ボックス 10">
+        <p:grpSp>
+          <p:nvGrpSpPr>
+            <p:cNvPr id="6" name="グループ化 5">
               <a:extLst>
                 <a:ext uri="{FF2B5EF4-FFF2-40B4-BE49-F238E27FC236}">
-                  <a16:creationId xmlns:a16="http://schemas.microsoft.com/office/drawing/2014/main" id="{E1889B6F-22A5-A7D3-83A2-1289702D4536}"/>
-                </a:ext>
-              </a:extLst>
-            </p:cNvPr>
-            <p:cNvSpPr txBox="1"/>
-            <p:nvPr/>
-          </p:nvSpPr>
-          <p:spPr>
-            <a:xfrm>
-              <a:off x="2619837" y="2318415"/>
-              <a:ext cx="631135" cy="400110"/>
-            </a:xfrm>
-            <a:prstGeom prst="rect">
-              <a:avLst/>
-            </a:prstGeom>
-            <a:noFill/>
-          </p:spPr>
-          <p:txBody>
-            <a:bodyPr wrap="none" rtlCol="0">
-              <a:spAutoFit/>
-            </a:bodyPr>
-            <a:lstStyle/>
-            <a:p>
-              <a:r>
-                <a:rPr kumimoji="1" lang="en-US" altLang="ja-JP" sz="2000" dirty="0">
-                  <a:latin typeface="Segoe UI" panose="020B0502040204020203" pitchFamily="34" charset="0"/>
-                  <a:cs typeface="Segoe UI" panose="020B0502040204020203" pitchFamily="34" charset="0"/>
-                </a:rPr>
-                <a:t>Text</a:t>
-              </a:r>
-            </a:p>
-          </p:txBody>
-        </p:sp>
-        <p:sp>
-          <p:nvSpPr>
-            <p:cNvPr id="12" name="テキスト ボックス 11">
-              <a:extLst>
-                <a:ext uri="{FF2B5EF4-FFF2-40B4-BE49-F238E27FC236}">
-                  <a16:creationId xmlns:a16="http://schemas.microsoft.com/office/drawing/2014/main" id="{A48BD13A-7CFE-6AEC-E94C-A7A429F57289}"/>
-                </a:ext>
-              </a:extLst>
-            </p:cNvPr>
-            <p:cNvSpPr txBox="1"/>
-            <p:nvPr/>
-          </p:nvSpPr>
-          <p:spPr>
-            <a:xfrm>
-              <a:off x="2538566" y="4679056"/>
-              <a:ext cx="793679" cy="400110"/>
-            </a:xfrm>
-            <a:prstGeom prst="rect">
-              <a:avLst/>
-            </a:prstGeom>
-            <a:noFill/>
-          </p:spPr>
-          <p:txBody>
-            <a:bodyPr wrap="none" rtlCol="0">
-              <a:spAutoFit/>
-            </a:bodyPr>
-            <a:lstStyle/>
-            <a:p>
-              <a:r>
-                <a:rPr lang="en-US" altLang="ja-JP" sz="2000" dirty="0">
-                  <a:latin typeface="Segoe UI" panose="020B0502040204020203" pitchFamily="34" charset="0"/>
-                  <a:cs typeface="Segoe UI" panose="020B0502040204020203" pitchFamily="34" charset="0"/>
-                </a:rPr>
-                <a:t>V</a:t>
-              </a:r>
-              <a:r>
-                <a:rPr kumimoji="1" lang="en-US" altLang="ja-JP" sz="2000" dirty="0">
-                  <a:latin typeface="Segoe UI" panose="020B0502040204020203" pitchFamily="34" charset="0"/>
-                  <a:cs typeface="Segoe UI" panose="020B0502040204020203" pitchFamily="34" charset="0"/>
-                </a:rPr>
-                <a:t>oice</a:t>
-              </a:r>
-            </a:p>
-          </p:txBody>
-        </p:sp>
-        <p:sp>
-          <p:nvSpPr>
-            <p:cNvPr id="13" name="テキスト ボックス 12">
-              <a:extLst>
-                <a:ext uri="{FF2B5EF4-FFF2-40B4-BE49-F238E27FC236}">
-                  <a16:creationId xmlns:a16="http://schemas.microsoft.com/office/drawing/2014/main" id="{DBE9FBC8-467B-2D72-E247-E1F4E6F5C70D}"/>
-                </a:ext>
-              </a:extLst>
-            </p:cNvPr>
-            <p:cNvSpPr txBox="1"/>
-            <p:nvPr/>
-          </p:nvSpPr>
-          <p:spPr>
-            <a:xfrm>
-              <a:off x="8541704" y="1499681"/>
-              <a:ext cx="418704" cy="400110"/>
-            </a:xfrm>
-            <a:prstGeom prst="rect">
-              <a:avLst/>
-            </a:prstGeom>
-            <a:noFill/>
-          </p:spPr>
-          <p:txBody>
-            <a:bodyPr wrap="none" rtlCol="0">
-              <a:spAutoFit/>
-            </a:bodyPr>
-            <a:lstStyle/>
-            <a:p>
-              <a:r>
-                <a:rPr kumimoji="1" lang="en-US" altLang="ja-JP" sz="2000" dirty="0">
-                  <a:latin typeface="Segoe UI" panose="020B0502040204020203" pitchFamily="34" charset="0"/>
-                  <a:cs typeface="Segoe UI" panose="020B0502040204020203" pitchFamily="34" charset="0"/>
-                </a:rPr>
-                <a:t>AI</a:t>
-              </a:r>
-            </a:p>
-          </p:txBody>
-        </p:sp>
-        <p:sp>
-          <p:nvSpPr>
-            <p:cNvPr id="14" name="テキスト ボックス 13">
-              <a:extLst>
-                <a:ext uri="{FF2B5EF4-FFF2-40B4-BE49-F238E27FC236}">
-                  <a16:creationId xmlns:a16="http://schemas.microsoft.com/office/drawing/2014/main" id="{687EF21F-5DB2-3F01-D7D1-AEA2D147D1DE}"/>
-                </a:ext>
-              </a:extLst>
-            </p:cNvPr>
-            <p:cNvSpPr txBox="1"/>
-            <p:nvPr/>
-          </p:nvSpPr>
-          <p:spPr>
-            <a:xfrm>
-              <a:off x="4112064" y="1490823"/>
-              <a:ext cx="599716" cy="400110"/>
-            </a:xfrm>
-            <a:prstGeom prst="rect">
-              <a:avLst/>
-            </a:prstGeom>
-            <a:noFill/>
-          </p:spPr>
-          <p:txBody>
-            <a:bodyPr wrap="none" rtlCol="0">
-              <a:spAutoFit/>
-            </a:bodyPr>
-            <a:lstStyle/>
-            <a:p>
-              <a:r>
-                <a:rPr kumimoji="1" lang="en-US" altLang="ja-JP" sz="2000" dirty="0">
-                  <a:latin typeface="Segoe UI" panose="020B0502040204020203" pitchFamily="34" charset="0"/>
-                  <a:cs typeface="Segoe UI" panose="020B0502040204020203" pitchFamily="34" charset="0"/>
-                </a:rPr>
-                <a:t>You</a:t>
-              </a:r>
-            </a:p>
-          </p:txBody>
-        </p:sp>
-        <p:grpSp>
-          <p:nvGrpSpPr>
-            <p:cNvPr id="21" name="グループ化 20">
-              <a:extLst>
-                <a:ext uri="{FF2B5EF4-FFF2-40B4-BE49-F238E27FC236}">
-                  <a16:creationId xmlns:a16="http://schemas.microsoft.com/office/drawing/2014/main" id="{4245BD2D-3303-006B-F5A6-2B78BFC2E075}"/>
+                  <a16:creationId xmlns:a16="http://schemas.microsoft.com/office/drawing/2014/main" id="{47D02499-484D-8DB2-0D35-DCF2AECCEAF1}"/>
                 </a:ext>
               </a:extLst>
             </p:cNvPr>
@@ -3807,18 +3648,374 @@
           </p:nvGrpSpPr>
           <p:grpSpPr>
             <a:xfrm>
-              <a:off x="3560064" y="4418459"/>
-              <a:ext cx="1766260" cy="914400"/>
-              <a:chOff x="5638800" y="2971800"/>
-              <a:chExt cx="1766260" cy="914400"/>
+              <a:off x="2538566" y="1490823"/>
+              <a:ext cx="7114868" cy="3860314"/>
+              <a:chOff x="2538566" y="1490823"/>
+              <a:chExt cx="7114868" cy="3860314"/>
             </a:xfrm>
           </p:grpSpPr>
+          <p:sp>
+            <p:nvSpPr>
+              <p:cNvPr id="11" name="テキスト ボックス 10">
+                <a:extLst>
+                  <a:ext uri="{FF2B5EF4-FFF2-40B4-BE49-F238E27FC236}">
+                    <a16:creationId xmlns:a16="http://schemas.microsoft.com/office/drawing/2014/main" id="{E1889B6F-22A5-A7D3-83A2-1289702D4536}"/>
+                  </a:ext>
+                </a:extLst>
+              </p:cNvPr>
+              <p:cNvSpPr txBox="1"/>
+              <p:nvPr/>
+            </p:nvSpPr>
+            <p:spPr>
+              <a:xfrm>
+                <a:off x="2619837" y="2318415"/>
+                <a:ext cx="631135" cy="400110"/>
+              </a:xfrm>
+              <a:prstGeom prst="rect">
+                <a:avLst/>
+              </a:prstGeom>
+              <a:noFill/>
+            </p:spPr>
+            <p:txBody>
+              <a:bodyPr wrap="none" rtlCol="0">
+                <a:spAutoFit/>
+              </a:bodyPr>
+              <a:lstStyle/>
+              <a:p>
+                <a:r>
+                  <a:rPr kumimoji="1" lang="en-US" altLang="ja-JP" sz="2000" dirty="0">
+                    <a:latin typeface="Segoe UI" panose="020B0502040204020203" pitchFamily="34" charset="0"/>
+                    <a:cs typeface="Segoe UI" panose="020B0502040204020203" pitchFamily="34" charset="0"/>
+                  </a:rPr>
+                  <a:t>Text</a:t>
+                </a:r>
+              </a:p>
+            </p:txBody>
+          </p:sp>
+          <p:sp>
+            <p:nvSpPr>
+              <p:cNvPr id="12" name="テキスト ボックス 11">
+                <a:extLst>
+                  <a:ext uri="{FF2B5EF4-FFF2-40B4-BE49-F238E27FC236}">
+                    <a16:creationId xmlns:a16="http://schemas.microsoft.com/office/drawing/2014/main" id="{A48BD13A-7CFE-6AEC-E94C-A7A429F57289}"/>
+                  </a:ext>
+                </a:extLst>
+              </p:cNvPr>
+              <p:cNvSpPr txBox="1"/>
+              <p:nvPr/>
+            </p:nvSpPr>
+            <p:spPr>
+              <a:xfrm>
+                <a:off x="2538566" y="4679056"/>
+                <a:ext cx="793679" cy="400110"/>
+              </a:xfrm>
+              <a:prstGeom prst="rect">
+                <a:avLst/>
+              </a:prstGeom>
+              <a:noFill/>
+            </p:spPr>
+            <p:txBody>
+              <a:bodyPr wrap="none" rtlCol="0">
+                <a:spAutoFit/>
+              </a:bodyPr>
+              <a:lstStyle/>
+              <a:p>
+                <a:r>
+                  <a:rPr lang="en-US" altLang="ja-JP" sz="2000" dirty="0">
+                    <a:latin typeface="Segoe UI" panose="020B0502040204020203" pitchFamily="34" charset="0"/>
+                    <a:cs typeface="Segoe UI" panose="020B0502040204020203" pitchFamily="34" charset="0"/>
+                  </a:rPr>
+                  <a:t>V</a:t>
+                </a:r>
+                <a:r>
+                  <a:rPr kumimoji="1" lang="en-US" altLang="ja-JP" sz="2000" dirty="0">
+                    <a:latin typeface="Segoe UI" panose="020B0502040204020203" pitchFamily="34" charset="0"/>
+                    <a:cs typeface="Segoe UI" panose="020B0502040204020203" pitchFamily="34" charset="0"/>
+                  </a:rPr>
+                  <a:t>oice</a:t>
+                </a:r>
+              </a:p>
+            </p:txBody>
+          </p:sp>
+          <p:sp>
+            <p:nvSpPr>
+              <p:cNvPr id="13" name="テキスト ボックス 12">
+                <a:extLst>
+                  <a:ext uri="{FF2B5EF4-FFF2-40B4-BE49-F238E27FC236}">
+                    <a16:creationId xmlns:a16="http://schemas.microsoft.com/office/drawing/2014/main" id="{DBE9FBC8-467B-2D72-E247-E1F4E6F5C70D}"/>
+                  </a:ext>
+                </a:extLst>
+              </p:cNvPr>
+              <p:cNvSpPr txBox="1"/>
+              <p:nvPr/>
+            </p:nvSpPr>
+            <p:spPr>
+              <a:xfrm>
+                <a:off x="8541704" y="1499681"/>
+                <a:ext cx="418704" cy="400110"/>
+              </a:xfrm>
+              <a:prstGeom prst="rect">
+                <a:avLst/>
+              </a:prstGeom>
+              <a:noFill/>
+            </p:spPr>
+            <p:txBody>
+              <a:bodyPr wrap="none" rtlCol="0">
+                <a:spAutoFit/>
+              </a:bodyPr>
+              <a:lstStyle/>
+              <a:p>
+                <a:r>
+                  <a:rPr kumimoji="1" lang="en-US" altLang="ja-JP" sz="2000" dirty="0">
+                    <a:latin typeface="Segoe UI" panose="020B0502040204020203" pitchFamily="34" charset="0"/>
+                    <a:cs typeface="Segoe UI" panose="020B0502040204020203" pitchFamily="34" charset="0"/>
+                  </a:rPr>
+                  <a:t>AI</a:t>
+                </a:r>
+              </a:p>
+            </p:txBody>
+          </p:sp>
+          <p:sp>
+            <p:nvSpPr>
+              <p:cNvPr id="14" name="テキスト ボックス 13">
+                <a:extLst>
+                  <a:ext uri="{FF2B5EF4-FFF2-40B4-BE49-F238E27FC236}">
+                    <a16:creationId xmlns:a16="http://schemas.microsoft.com/office/drawing/2014/main" id="{687EF21F-5DB2-3F01-D7D1-AEA2D147D1DE}"/>
+                  </a:ext>
+                </a:extLst>
+              </p:cNvPr>
+              <p:cNvSpPr txBox="1"/>
+              <p:nvPr/>
+            </p:nvSpPr>
+            <p:spPr>
+              <a:xfrm>
+                <a:off x="4112064" y="1490823"/>
+                <a:ext cx="599716" cy="400110"/>
+              </a:xfrm>
+              <a:prstGeom prst="rect">
+                <a:avLst/>
+              </a:prstGeom>
+              <a:noFill/>
+            </p:spPr>
+            <p:txBody>
+              <a:bodyPr wrap="none" rtlCol="0">
+                <a:spAutoFit/>
+              </a:bodyPr>
+              <a:lstStyle/>
+              <a:p>
+                <a:r>
+                  <a:rPr kumimoji="1" lang="en-US" altLang="ja-JP" sz="2000" dirty="0">
+                    <a:latin typeface="Segoe UI" panose="020B0502040204020203" pitchFamily="34" charset="0"/>
+                    <a:cs typeface="Segoe UI" panose="020B0502040204020203" pitchFamily="34" charset="0"/>
+                  </a:rPr>
+                  <a:t>You</a:t>
+                </a:r>
+              </a:p>
+            </p:txBody>
+          </p:sp>
+          <p:grpSp>
+            <p:nvGrpSpPr>
+              <p:cNvPr id="21" name="グループ化 20">
+                <a:extLst>
+                  <a:ext uri="{FF2B5EF4-FFF2-40B4-BE49-F238E27FC236}">
+                    <a16:creationId xmlns:a16="http://schemas.microsoft.com/office/drawing/2014/main" id="{4245BD2D-3303-006B-F5A6-2B78BFC2E075}"/>
+                  </a:ext>
+                </a:extLst>
+              </p:cNvPr>
+              <p:cNvGrpSpPr/>
+              <p:nvPr/>
+            </p:nvGrpSpPr>
+            <p:grpSpPr>
+              <a:xfrm>
+                <a:off x="3560064" y="4418459"/>
+                <a:ext cx="1766260" cy="914400"/>
+                <a:chOff x="5638800" y="2971800"/>
+                <a:chExt cx="1766260" cy="914400"/>
+              </a:xfrm>
+            </p:grpSpPr>
+            <p:pic>
+              <p:nvPicPr>
+                <p:cNvPr id="16" name="グラフィックス 15" descr="ユーザー">
+                  <a:extLst>
+                    <a:ext uri="{FF2B5EF4-FFF2-40B4-BE49-F238E27FC236}">
+                      <a16:creationId xmlns:a16="http://schemas.microsoft.com/office/drawing/2014/main" id="{4F59A932-56F9-40F7-0061-CB7A69AEC2FF}"/>
+                    </a:ext>
+                  </a:extLst>
+                </p:cNvPr>
+                <p:cNvPicPr>
+                  <a:picLocks noChangeAspect="1"/>
+                </p:cNvPicPr>
+                <p:nvPr/>
+              </p:nvPicPr>
+              <p:blipFill>
+                <a:blip r:embed="rId2">
+                  <a:extLst>
+                    <a:ext uri="{28A0092B-C50C-407E-A947-70E740481C1C}">
+                      <a14:useLocalDpi xmlns:a14="http://schemas.microsoft.com/office/drawing/2010/main" val="0"/>
+                    </a:ext>
+                    <a:ext uri="{96DAC541-7B7A-43D3-8B79-37D633B846F1}">
+                      <asvg:svgBlip xmlns:asvg="http://schemas.microsoft.com/office/drawing/2016/SVG/main" r:embed="rId3"/>
+                    </a:ext>
+                  </a:extLst>
+                </a:blip>
+                <a:stretch>
+                  <a:fillRect/>
+                </a:stretch>
+              </p:blipFill>
+              <p:spPr>
+                <a:xfrm>
+                  <a:off x="5638800" y="2971800"/>
+                  <a:ext cx="914400" cy="914400"/>
+                </a:xfrm>
+                <a:prstGeom prst="rect">
+                  <a:avLst/>
+                </a:prstGeom>
+              </p:spPr>
+            </p:pic>
+            <p:pic>
+              <p:nvPicPr>
+                <p:cNvPr id="19" name="グラフィックス 18" descr="音声">
+                  <a:extLst>
+                    <a:ext uri="{FF2B5EF4-FFF2-40B4-BE49-F238E27FC236}">
+                      <a16:creationId xmlns:a16="http://schemas.microsoft.com/office/drawing/2014/main" id="{7D3BEC96-23DD-DA91-4AF9-3FF174A45021}"/>
+                    </a:ext>
+                  </a:extLst>
+                </p:cNvPr>
+                <p:cNvPicPr>
+                  <a:picLocks noChangeAspect="1"/>
+                </p:cNvPicPr>
+                <p:nvPr/>
+              </p:nvPicPr>
+              <p:blipFill>
+                <a:blip r:embed="rId4">
+                  <a:extLst>
+                    <a:ext uri="{28A0092B-C50C-407E-A947-70E740481C1C}">
+                      <a14:useLocalDpi xmlns:a14="http://schemas.microsoft.com/office/drawing/2010/main" val="0"/>
+                    </a:ext>
+                    <a:ext uri="{96DAC541-7B7A-43D3-8B79-37D633B846F1}">
+                      <asvg:svgBlip xmlns:asvg="http://schemas.microsoft.com/office/drawing/2016/SVG/main" r:embed="rId5"/>
+                    </a:ext>
+                  </a:extLst>
+                </a:blip>
+                <a:stretch>
+                  <a:fillRect/>
+                </a:stretch>
+              </p:blipFill>
+              <p:spPr>
+                <a:xfrm>
+                  <a:off x="6490660" y="2971800"/>
+                  <a:ext cx="914400" cy="914400"/>
+                </a:xfrm>
+                <a:prstGeom prst="rect">
+                  <a:avLst/>
+                </a:prstGeom>
+              </p:spPr>
+            </p:pic>
+          </p:grpSp>
+          <p:grpSp>
+            <p:nvGrpSpPr>
+              <p:cNvPr id="22" name="グループ化 21">
+                <a:extLst>
+                  <a:ext uri="{FF2B5EF4-FFF2-40B4-BE49-F238E27FC236}">
+                    <a16:creationId xmlns:a16="http://schemas.microsoft.com/office/drawing/2014/main" id="{C21F10E3-BC84-6D7D-12DC-0381F4BFEDE2}"/>
+                  </a:ext>
+                </a:extLst>
+              </p:cNvPr>
+              <p:cNvGrpSpPr/>
+              <p:nvPr/>
+            </p:nvGrpSpPr>
+            <p:grpSpPr>
+              <a:xfrm>
+                <a:off x="7738785" y="4378944"/>
+                <a:ext cx="1914649" cy="972193"/>
+                <a:chOff x="5490411" y="1983566"/>
+                <a:chExt cx="1914649" cy="972193"/>
+              </a:xfrm>
+            </p:grpSpPr>
+            <p:pic>
+              <p:nvPicPr>
+                <p:cNvPr id="18" name="グラフィックス 17" descr="ロボット">
+                  <a:extLst>
+                    <a:ext uri="{FF2B5EF4-FFF2-40B4-BE49-F238E27FC236}">
+                      <a16:creationId xmlns:a16="http://schemas.microsoft.com/office/drawing/2014/main" id="{45090CAB-6F83-5D70-6C14-CF0B8377B851}"/>
+                    </a:ext>
+                  </a:extLst>
+                </p:cNvPr>
+                <p:cNvPicPr>
+                  <a:picLocks noChangeAspect="1"/>
+                </p:cNvPicPr>
+                <p:nvPr/>
+              </p:nvPicPr>
+              <p:blipFill rotWithShape="1">
+                <a:blip r:embed="rId6">
+                  <a:extLst>
+                    <a:ext uri="{28A0092B-C50C-407E-A947-70E740481C1C}">
+                      <a14:useLocalDpi xmlns:a14="http://schemas.microsoft.com/office/drawing/2010/main" val="0"/>
+                    </a:ext>
+                    <a:ext uri="{96DAC541-7B7A-43D3-8B79-37D633B846F1}">
+                      <asvg:svgBlip xmlns:asvg="http://schemas.microsoft.com/office/drawing/2016/SVG/main" r:embed="rId7"/>
+                    </a:ext>
+                  </a:extLst>
+                </a:blip>
+                <a:srcRect b="25858"/>
+                <a:stretch/>
+              </p:blipFill>
+              <p:spPr>
+                <a:xfrm>
+                  <a:off x="5490411" y="1983566"/>
+                  <a:ext cx="1211178" cy="897998"/>
+                </a:xfrm>
+                <a:prstGeom prst="rect">
+                  <a:avLst/>
+                </a:prstGeom>
+              </p:spPr>
+            </p:pic>
+            <p:pic>
+              <p:nvPicPr>
+                <p:cNvPr id="20" name="グラフィックス 19" descr="音声">
+                  <a:extLst>
+                    <a:ext uri="{FF2B5EF4-FFF2-40B4-BE49-F238E27FC236}">
+                      <a16:creationId xmlns:a16="http://schemas.microsoft.com/office/drawing/2014/main" id="{EFE7225D-4FFB-2F37-9ECF-9D9317EF4245}"/>
+                    </a:ext>
+                  </a:extLst>
+                </p:cNvPr>
+                <p:cNvPicPr>
+                  <a:picLocks noChangeAspect="1"/>
+                </p:cNvPicPr>
+                <p:nvPr/>
+              </p:nvPicPr>
+              <p:blipFill>
+                <a:blip r:embed="rId4">
+                  <a:extLst>
+                    <a:ext uri="{28A0092B-C50C-407E-A947-70E740481C1C}">
+                      <a14:useLocalDpi xmlns:a14="http://schemas.microsoft.com/office/drawing/2010/main" val="0"/>
+                    </a:ext>
+                    <a:ext uri="{96DAC541-7B7A-43D3-8B79-37D633B846F1}">
+                      <asvg:svgBlip xmlns:asvg="http://schemas.microsoft.com/office/drawing/2016/SVG/main" r:embed="rId5"/>
+                    </a:ext>
+                  </a:extLst>
+                </a:blip>
+                <a:stretch>
+                  <a:fillRect/>
+                </a:stretch>
+              </p:blipFill>
+              <p:spPr>
+                <a:xfrm>
+                  <a:off x="6490660" y="2041359"/>
+                  <a:ext cx="914400" cy="914400"/>
+                </a:xfrm>
+                <a:prstGeom prst="rect">
+                  <a:avLst/>
+                </a:prstGeom>
+              </p:spPr>
+            </p:pic>
+          </p:grpSp>
           <p:pic>
             <p:nvPicPr>
-              <p:cNvPr id="16" name="グラフィックス 15" descr="ユーザー">
+              <p:cNvPr id="24" name="グラフィックス 23" descr="ユーザー">
                 <a:extLst>
                   <a:ext uri="{FF2B5EF4-FFF2-40B4-BE49-F238E27FC236}">
-                    <a16:creationId xmlns:a16="http://schemas.microsoft.com/office/drawing/2014/main" id="{4F59A932-56F9-40F7-0061-CB7A69AEC2FF}"/>
+                    <a16:creationId xmlns:a16="http://schemas.microsoft.com/office/drawing/2014/main" id="{9F23563A-DD7A-9409-1F79-E302BFA705E4}"/>
                   </a:ext>
                 </a:extLst>
               </p:cNvPr>
@@ -3844,7 +4041,7 @@
             </p:blipFill>
             <p:spPr>
               <a:xfrm>
-                <a:off x="5638800" y="2971800"/>
+                <a:off x="3560064" y="2092399"/>
                 <a:ext cx="914400" cy="914400"/>
               </a:xfrm>
               <a:prstGeom prst="rect">
@@ -3854,70 +4051,10 @@
           </p:pic>
           <p:pic>
             <p:nvPicPr>
-              <p:cNvPr id="19" name="グラフィックス 18" descr="音声">
+              <p:cNvPr id="29" name="グラフィックス 28" descr="ロボット">
                 <a:extLst>
                   <a:ext uri="{FF2B5EF4-FFF2-40B4-BE49-F238E27FC236}">
-                    <a16:creationId xmlns:a16="http://schemas.microsoft.com/office/drawing/2014/main" id="{7D3BEC96-23DD-DA91-4AF9-3FF174A45021}"/>
-                  </a:ext>
-                </a:extLst>
-              </p:cNvPr>
-              <p:cNvPicPr>
-                <a:picLocks noChangeAspect="1"/>
-              </p:cNvPicPr>
-              <p:nvPr/>
-            </p:nvPicPr>
-            <p:blipFill>
-              <a:blip r:embed="rId4">
-                <a:extLst>
-                  <a:ext uri="{28A0092B-C50C-407E-A947-70E740481C1C}">
-                    <a14:useLocalDpi xmlns:a14="http://schemas.microsoft.com/office/drawing/2010/main" val="0"/>
-                  </a:ext>
-                  <a:ext uri="{96DAC541-7B7A-43D3-8B79-37D633B846F1}">
-                    <asvg:svgBlip xmlns:asvg="http://schemas.microsoft.com/office/drawing/2016/SVG/main" r:embed="rId5"/>
-                  </a:ext>
-                </a:extLst>
-              </a:blip>
-              <a:stretch>
-                <a:fillRect/>
-              </a:stretch>
-            </p:blipFill>
-            <p:spPr>
-              <a:xfrm>
-                <a:off x="6490660" y="2971800"/>
-                <a:ext cx="914400" cy="914400"/>
-              </a:xfrm>
-              <a:prstGeom prst="rect">
-                <a:avLst/>
-              </a:prstGeom>
-            </p:spPr>
-          </p:pic>
-        </p:grpSp>
-        <p:grpSp>
-          <p:nvGrpSpPr>
-            <p:cNvPr id="22" name="グループ化 21">
-              <a:extLst>
-                <a:ext uri="{FF2B5EF4-FFF2-40B4-BE49-F238E27FC236}">
-                  <a16:creationId xmlns:a16="http://schemas.microsoft.com/office/drawing/2014/main" id="{C21F10E3-BC84-6D7D-12DC-0381F4BFEDE2}"/>
-                </a:ext>
-              </a:extLst>
-            </p:cNvPr>
-            <p:cNvGrpSpPr/>
-            <p:nvPr/>
-          </p:nvGrpSpPr>
-          <p:grpSpPr>
-            <a:xfrm>
-              <a:off x="7738785" y="4378944"/>
-              <a:ext cx="1914649" cy="972193"/>
-              <a:chOff x="5490411" y="1983566"/>
-              <a:chExt cx="1914649" cy="972193"/>
-            </a:xfrm>
-          </p:grpSpPr>
-          <p:pic>
-            <p:nvPicPr>
-              <p:cNvPr id="18" name="グラフィックス 17" descr="ロボット">
-                <a:extLst>
-                  <a:ext uri="{FF2B5EF4-FFF2-40B4-BE49-F238E27FC236}">
-                    <a16:creationId xmlns:a16="http://schemas.microsoft.com/office/drawing/2014/main" id="{45090CAB-6F83-5D70-6C14-CF0B8377B851}"/>
+                    <a16:creationId xmlns:a16="http://schemas.microsoft.com/office/drawing/2014/main" id="{28E02EC5-42DB-3030-4A15-132AF1B49FC8}"/>
                   </a:ext>
                 </a:extLst>
               </p:cNvPr>
@@ -3942,7 +4079,7 @@
             </p:blipFill>
             <p:spPr>
               <a:xfrm>
-                <a:off x="5490411" y="1983566"/>
+                <a:off x="7738785" y="2069471"/>
                 <a:ext cx="1211178" cy="897998"/>
               </a:xfrm>
               <a:prstGeom prst="rect">
@@ -3950,736 +4087,819 @@
               </a:prstGeom>
             </p:spPr>
           </p:pic>
-          <p:pic>
-            <p:nvPicPr>
-              <p:cNvPr id="20" name="グラフィックス 19" descr="音声">
+          <p:sp>
+            <p:nvSpPr>
+              <p:cNvPr id="8" name="矢印: 上 7">
                 <a:extLst>
                   <a:ext uri="{FF2B5EF4-FFF2-40B4-BE49-F238E27FC236}">
-                    <a16:creationId xmlns:a16="http://schemas.microsoft.com/office/drawing/2014/main" id="{EFE7225D-4FFB-2F37-9ECF-9D9317EF4245}"/>
+                    <a16:creationId xmlns:a16="http://schemas.microsoft.com/office/drawing/2014/main" id="{3F85A48F-0AC2-4189-E8A2-C62D9E781C6D}"/>
                   </a:ext>
                 </a:extLst>
               </p:cNvPr>
-              <p:cNvPicPr>
-                <a:picLocks noChangeAspect="1"/>
-              </p:cNvPicPr>
+              <p:cNvSpPr/>
               <p:nvPr/>
-            </p:nvPicPr>
-            <p:blipFill>
-              <a:blip r:embed="rId4">
-                <a:extLst>
-                  <a:ext uri="{28A0092B-C50C-407E-A947-70E740481C1C}">
-                    <a14:useLocalDpi xmlns:a14="http://schemas.microsoft.com/office/drawing/2010/main" val="0"/>
-                  </a:ext>
-                  <a:ext uri="{96DAC541-7B7A-43D3-8B79-37D633B846F1}">
-                    <asvg:svgBlip xmlns:asvg="http://schemas.microsoft.com/office/drawing/2016/SVG/main" r:embed="rId5"/>
-                  </a:ext>
-                </a:extLst>
-              </a:blip>
-              <a:stretch>
-                <a:fillRect/>
-              </a:stretch>
-            </p:blipFill>
+            </p:nvSpPr>
             <p:spPr>
               <a:xfrm>
-                <a:off x="6490660" y="2041359"/>
-                <a:ext cx="914400" cy="914400"/>
+                <a:off x="4283925" y="3115703"/>
+                <a:ext cx="255992" cy="284400"/>
               </a:xfrm>
-              <a:prstGeom prst="rect">
-                <a:avLst/>
+              <a:prstGeom prst="upArrow">
+                <a:avLst>
+                  <a:gd name="adj1" fmla="val 37383"/>
+                  <a:gd name="adj2" fmla="val 55566"/>
+                </a:avLst>
               </a:prstGeom>
-            </p:spPr>
-          </p:pic>
-        </p:grpSp>
-        <p:pic>
-          <p:nvPicPr>
-            <p:cNvPr id="24" name="グラフィックス 23" descr="ユーザー">
-              <a:extLst>
-                <a:ext uri="{FF2B5EF4-FFF2-40B4-BE49-F238E27FC236}">
-                  <a16:creationId xmlns:a16="http://schemas.microsoft.com/office/drawing/2014/main" id="{9F23563A-DD7A-9409-1F79-E302BFA705E4}"/>
-                </a:ext>
-              </a:extLst>
-            </p:cNvPr>
-            <p:cNvPicPr>
-              <a:picLocks noChangeAspect="1"/>
-            </p:cNvPicPr>
-            <p:nvPr/>
-          </p:nvPicPr>
-          <p:blipFill>
-            <a:blip r:embed="rId2">
-              <a:extLst>
-                <a:ext uri="{28A0092B-C50C-407E-A947-70E740481C1C}">
-                  <a14:useLocalDpi xmlns:a14="http://schemas.microsoft.com/office/drawing/2010/main" val="0"/>
-                </a:ext>
-                <a:ext uri="{96DAC541-7B7A-43D3-8B79-37D633B846F1}">
-                  <asvg:svgBlip xmlns:asvg="http://schemas.microsoft.com/office/drawing/2016/SVG/main" r:embed="rId3"/>
-                </a:ext>
-              </a:extLst>
-            </a:blip>
-            <a:stretch>
-              <a:fillRect/>
-            </a:stretch>
-          </p:blipFill>
-          <p:spPr>
-            <a:xfrm>
-              <a:off x="3560064" y="2092399"/>
-              <a:ext cx="914400" cy="914400"/>
-            </a:xfrm>
-            <a:prstGeom prst="rect">
-              <a:avLst/>
-            </a:prstGeom>
-          </p:spPr>
-        </p:pic>
-        <p:pic>
-          <p:nvPicPr>
-            <p:cNvPr id="29" name="グラフィックス 28" descr="ロボット">
-              <a:extLst>
-                <a:ext uri="{FF2B5EF4-FFF2-40B4-BE49-F238E27FC236}">
-                  <a16:creationId xmlns:a16="http://schemas.microsoft.com/office/drawing/2014/main" id="{28E02EC5-42DB-3030-4A15-132AF1B49FC8}"/>
-                </a:ext>
-              </a:extLst>
-            </p:cNvPr>
-            <p:cNvPicPr>
-              <a:picLocks noChangeAspect="1"/>
-            </p:cNvPicPr>
-            <p:nvPr/>
-          </p:nvPicPr>
-          <p:blipFill rotWithShape="1">
-            <a:blip r:embed="rId6">
-              <a:extLst>
-                <a:ext uri="{28A0092B-C50C-407E-A947-70E740481C1C}">
-                  <a14:useLocalDpi xmlns:a14="http://schemas.microsoft.com/office/drawing/2010/main" val="0"/>
-                </a:ext>
-                <a:ext uri="{96DAC541-7B7A-43D3-8B79-37D633B846F1}">
-                  <asvg:svgBlip xmlns:asvg="http://schemas.microsoft.com/office/drawing/2016/SVG/main" r:embed="rId7"/>
-                </a:ext>
-              </a:extLst>
-            </a:blip>
-            <a:srcRect b="25858"/>
-            <a:stretch/>
-          </p:blipFill>
-          <p:spPr>
-            <a:xfrm>
-              <a:off x="7738785" y="2069471"/>
-              <a:ext cx="1211178" cy="897998"/>
-            </a:xfrm>
-            <a:prstGeom prst="rect">
-              <a:avLst/>
-            </a:prstGeom>
-          </p:spPr>
-        </p:pic>
-        <p:sp>
-          <p:nvSpPr>
-            <p:cNvPr id="8" name="矢印: 上 7">
-              <a:extLst>
-                <a:ext uri="{FF2B5EF4-FFF2-40B4-BE49-F238E27FC236}">
-                  <a16:creationId xmlns:a16="http://schemas.microsoft.com/office/drawing/2014/main" id="{3F85A48F-0AC2-4189-E8A2-C62D9E781C6D}"/>
-                </a:ext>
-              </a:extLst>
-            </p:cNvPr>
-            <p:cNvSpPr/>
-            <p:nvPr/>
-          </p:nvSpPr>
-          <p:spPr>
-            <a:xfrm>
-              <a:off x="4283925" y="3115703"/>
-              <a:ext cx="255992" cy="284400"/>
-            </a:xfrm>
-            <a:prstGeom prst="upArrow">
-              <a:avLst>
-                <a:gd name="adj1" fmla="val 37383"/>
-                <a:gd name="adj2" fmla="val 55566"/>
-              </a:avLst>
-            </a:prstGeom>
-            <a:solidFill>
-              <a:schemeClr val="tx1"/>
-            </a:solidFill>
-            <a:ln>
-              <a:noFill/>
-            </a:ln>
-          </p:spPr>
-          <p:style>
-            <a:lnRef idx="2">
-              <a:schemeClr val="accent1">
-                <a:shade val="50000"/>
-              </a:schemeClr>
-            </a:lnRef>
-            <a:fillRef idx="1">
-              <a:schemeClr val="accent1"/>
-            </a:fillRef>
-            <a:effectRef idx="0">
-              <a:schemeClr val="accent1"/>
-            </a:effectRef>
-            <a:fontRef idx="minor">
-              <a:schemeClr val="lt1"/>
-            </a:fontRef>
-          </p:style>
-          <p:txBody>
-            <a:bodyPr rtlCol="0" anchor="ctr"/>
-            <a:lstStyle/>
-            <a:p>
-              <a:pPr algn="ctr"/>
-              <a:endParaRPr kumimoji="1" lang="ja-JP" altLang="en-US"/>
-            </a:p>
-          </p:txBody>
-        </p:sp>
-        <p:sp>
-          <p:nvSpPr>
-            <p:cNvPr id="33" name="四角形: 角を丸くする 32">
-              <a:extLst>
-                <a:ext uri="{FF2B5EF4-FFF2-40B4-BE49-F238E27FC236}">
-                  <a16:creationId xmlns:a16="http://schemas.microsoft.com/office/drawing/2014/main" id="{35F87631-2274-40F3-A347-4C1B13E9D970}"/>
-                </a:ext>
-              </a:extLst>
-            </p:cNvPr>
-            <p:cNvSpPr/>
-            <p:nvPr/>
-          </p:nvSpPr>
-          <p:spPr>
-            <a:xfrm>
-              <a:off x="3731054" y="3400103"/>
-              <a:ext cx="1361735" cy="585537"/>
-            </a:xfrm>
-            <a:prstGeom prst="roundRect">
-              <a:avLst/>
-            </a:prstGeom>
-            <a:noFill/>
-            <a:ln w="28575">
               <a:solidFill>
                 <a:schemeClr val="tx1"/>
               </a:solidFill>
-            </a:ln>
-          </p:spPr>
-          <p:style>
-            <a:lnRef idx="2">
-              <a:schemeClr val="accent1">
-                <a:shade val="50000"/>
-              </a:schemeClr>
-            </a:lnRef>
-            <a:fillRef idx="1">
-              <a:schemeClr val="accent1"/>
-            </a:fillRef>
-            <a:effectRef idx="0">
-              <a:schemeClr val="accent1"/>
-            </a:effectRef>
-            <a:fontRef idx="minor">
-              <a:schemeClr val="lt1"/>
-            </a:fontRef>
-          </p:style>
-          <p:txBody>
-            <a:bodyPr rtlCol="0" anchor="ctr"/>
-            <a:lstStyle/>
-            <a:p>
-              <a:pPr algn="ctr"/>
-              <a:r>
-                <a:rPr kumimoji="1" lang="en-US" altLang="ja-JP" sz="2000" dirty="0">
+              <a:ln>
+                <a:noFill/>
+              </a:ln>
+            </p:spPr>
+            <p:style>
+              <a:lnRef idx="2">
+                <a:schemeClr val="accent1">
+                  <a:shade val="50000"/>
+                </a:schemeClr>
+              </a:lnRef>
+              <a:fillRef idx="1">
+                <a:schemeClr val="accent1"/>
+              </a:fillRef>
+              <a:effectRef idx="0">
+                <a:schemeClr val="accent1"/>
+              </a:effectRef>
+              <a:fontRef idx="minor">
+                <a:schemeClr val="lt1"/>
+              </a:fontRef>
+            </p:style>
+            <p:txBody>
+              <a:bodyPr rtlCol="0" anchor="ctr"/>
+              <a:lstStyle/>
+              <a:p>
+                <a:pPr algn="ctr"/>
+                <a:endParaRPr kumimoji="1" lang="ja-JP" altLang="en-US"/>
+              </a:p>
+            </p:txBody>
+          </p:sp>
+          <p:sp>
+            <p:nvSpPr>
+              <p:cNvPr id="33" name="四角形: 角を丸くする 32">
+                <a:extLst>
+                  <a:ext uri="{FF2B5EF4-FFF2-40B4-BE49-F238E27FC236}">
+                    <a16:creationId xmlns:a16="http://schemas.microsoft.com/office/drawing/2014/main" id="{35F87631-2274-40F3-A347-4C1B13E9D970}"/>
+                  </a:ext>
+                </a:extLst>
+              </p:cNvPr>
+              <p:cNvSpPr/>
+              <p:nvPr/>
+            </p:nvSpPr>
+            <p:spPr>
+              <a:xfrm>
+                <a:off x="3731054" y="3400103"/>
+                <a:ext cx="1361735" cy="585537"/>
+              </a:xfrm>
+              <a:prstGeom prst="roundRect">
+                <a:avLst/>
+              </a:prstGeom>
+              <a:noFill/>
+              <a:ln w="28575">
+                <a:solidFill>
+                  <a:schemeClr val="tx1"/>
+                </a:solidFill>
+              </a:ln>
+            </p:spPr>
+            <p:style>
+              <a:lnRef idx="2">
+                <a:schemeClr val="accent1">
+                  <a:shade val="50000"/>
+                </a:schemeClr>
+              </a:lnRef>
+              <a:fillRef idx="1">
+                <a:schemeClr val="accent1"/>
+              </a:fillRef>
+              <a:effectRef idx="0">
+                <a:schemeClr val="accent1"/>
+              </a:effectRef>
+              <a:fontRef idx="minor">
+                <a:schemeClr val="lt1"/>
+              </a:fontRef>
+            </p:style>
+            <p:txBody>
+              <a:bodyPr rtlCol="0" anchor="ctr"/>
+              <a:lstStyle/>
+              <a:p>
+                <a:pPr algn="ctr"/>
+                <a:r>
+                  <a:rPr kumimoji="1" lang="en-US" altLang="ja-JP" sz="2000" dirty="0">
+                    <a:solidFill>
+                      <a:schemeClr val="tx1"/>
+                    </a:solidFill>
+                    <a:latin typeface="Segoe UI" panose="020B0502040204020203" pitchFamily="34" charset="0"/>
+                    <a:cs typeface="Segoe UI" panose="020B0502040204020203" pitchFamily="34" charset="0"/>
+                  </a:rPr>
+                  <a:t>Whisper</a:t>
+                </a:r>
+                <a:endParaRPr kumimoji="1" lang="ja-JP" altLang="en-US" dirty="0">
                   <a:solidFill>
                     <a:schemeClr val="tx1"/>
                   </a:solidFill>
                   <a:latin typeface="Segoe UI" panose="020B0502040204020203" pitchFamily="34" charset="0"/>
                   <a:cs typeface="Segoe UI" panose="020B0502040204020203" pitchFamily="34" charset="0"/>
-                </a:rPr>
-                <a:t>Whisper</a:t>
-              </a:r>
-              <a:endParaRPr kumimoji="1" lang="ja-JP" altLang="en-US" dirty="0">
+                </a:endParaRPr>
+              </a:p>
+            </p:txBody>
+          </p:sp>
+          <p:sp>
+            <p:nvSpPr>
+              <p:cNvPr id="36" name="正方形/長方形 35">
+                <a:extLst>
+                  <a:ext uri="{FF2B5EF4-FFF2-40B4-BE49-F238E27FC236}">
+                    <a16:creationId xmlns:a16="http://schemas.microsoft.com/office/drawing/2014/main" id="{4CF3CA5C-11FF-00F4-93C8-277501364BF9}"/>
+                  </a:ext>
+                </a:extLst>
+              </p:cNvPr>
+              <p:cNvSpPr/>
+              <p:nvPr/>
+            </p:nvSpPr>
+            <p:spPr>
+              <a:xfrm>
+                <a:off x="4362886" y="3985640"/>
+                <a:ext cx="98069" cy="248400"/>
+              </a:xfrm>
+              <a:prstGeom prst="rect">
+                <a:avLst/>
+              </a:prstGeom>
+              <a:solidFill>
+                <a:schemeClr val="tx1"/>
+              </a:solidFill>
+              <a:ln>
+                <a:noFill/>
+              </a:ln>
+            </p:spPr>
+            <p:style>
+              <a:lnRef idx="2">
+                <a:schemeClr val="accent1">
+                  <a:shade val="50000"/>
+                </a:schemeClr>
+              </a:lnRef>
+              <a:fillRef idx="1">
+                <a:schemeClr val="accent1"/>
+              </a:fillRef>
+              <a:effectRef idx="0">
+                <a:schemeClr val="accent1"/>
+              </a:effectRef>
+              <a:fontRef idx="minor">
+                <a:schemeClr val="lt1"/>
+              </a:fontRef>
+            </p:style>
+            <p:txBody>
+              <a:bodyPr rtlCol="0" anchor="ctr"/>
+              <a:lstStyle/>
+              <a:p>
+                <a:pPr algn="ctr"/>
+                <a:endParaRPr kumimoji="1" lang="ja-JP" altLang="en-US"/>
+              </a:p>
+            </p:txBody>
+          </p:sp>
+          <p:sp>
+            <p:nvSpPr>
+              <p:cNvPr id="34" name="四角形: 角を丸くする 33">
+                <a:extLst>
+                  <a:ext uri="{FF2B5EF4-FFF2-40B4-BE49-F238E27FC236}">
+                    <a16:creationId xmlns:a16="http://schemas.microsoft.com/office/drawing/2014/main" id="{1307C4EC-C5BA-80B0-8BC7-0CE1A0666965}"/>
+                  </a:ext>
+                </a:extLst>
+              </p:cNvPr>
+              <p:cNvSpPr/>
+              <p:nvPr/>
+            </p:nvSpPr>
+            <p:spPr>
+              <a:xfrm>
+                <a:off x="5851687" y="2225700"/>
+                <a:ext cx="1361735" cy="585537"/>
+              </a:xfrm>
+              <a:prstGeom prst="roundRect">
+                <a:avLst/>
+              </a:prstGeom>
+              <a:noFill/>
+              <a:ln w="28575">
                 <a:solidFill>
                   <a:schemeClr val="tx1"/>
                 </a:solidFill>
-                <a:latin typeface="Segoe UI" panose="020B0502040204020203" pitchFamily="34" charset="0"/>
-                <a:cs typeface="Segoe UI" panose="020B0502040204020203" pitchFamily="34" charset="0"/>
-              </a:endParaRPr>
-            </a:p>
-          </p:txBody>
-        </p:sp>
-        <p:sp>
-          <p:nvSpPr>
-            <p:cNvPr id="36" name="正方形/長方形 35">
-              <a:extLst>
-                <a:ext uri="{FF2B5EF4-FFF2-40B4-BE49-F238E27FC236}">
-                  <a16:creationId xmlns:a16="http://schemas.microsoft.com/office/drawing/2014/main" id="{4CF3CA5C-11FF-00F4-93C8-277501364BF9}"/>
-                </a:ext>
-              </a:extLst>
-            </p:cNvPr>
-            <p:cNvSpPr/>
-            <p:nvPr/>
-          </p:nvSpPr>
-          <p:spPr>
-            <a:xfrm>
-              <a:off x="4362886" y="3985640"/>
-              <a:ext cx="98069" cy="248400"/>
-            </a:xfrm>
-            <a:prstGeom prst="rect">
-              <a:avLst/>
-            </a:prstGeom>
-            <a:solidFill>
-              <a:schemeClr val="tx1"/>
-            </a:solidFill>
-            <a:ln>
-              <a:noFill/>
-            </a:ln>
-          </p:spPr>
-          <p:style>
-            <a:lnRef idx="2">
-              <a:schemeClr val="accent1">
-                <a:shade val="50000"/>
-              </a:schemeClr>
-            </a:lnRef>
-            <a:fillRef idx="1">
-              <a:schemeClr val="accent1"/>
-            </a:fillRef>
-            <a:effectRef idx="0">
-              <a:schemeClr val="accent1"/>
-            </a:effectRef>
-            <a:fontRef idx="minor">
-              <a:schemeClr val="lt1"/>
-            </a:fontRef>
-          </p:style>
-          <p:txBody>
-            <a:bodyPr rtlCol="0" anchor="ctr"/>
-            <a:lstStyle/>
-            <a:p>
-              <a:pPr algn="ctr"/>
-              <a:endParaRPr kumimoji="1" lang="ja-JP" altLang="en-US"/>
-            </a:p>
-          </p:txBody>
-        </p:sp>
-        <p:sp>
-          <p:nvSpPr>
-            <p:cNvPr id="34" name="四角形: 角を丸くする 33">
-              <a:extLst>
-                <a:ext uri="{FF2B5EF4-FFF2-40B4-BE49-F238E27FC236}">
-                  <a16:creationId xmlns:a16="http://schemas.microsoft.com/office/drawing/2014/main" id="{1307C4EC-C5BA-80B0-8BC7-0CE1A0666965}"/>
-                </a:ext>
-              </a:extLst>
-            </p:cNvPr>
-            <p:cNvSpPr/>
-            <p:nvPr/>
-          </p:nvSpPr>
-          <p:spPr>
-            <a:xfrm>
-              <a:off x="5851687" y="2225700"/>
-              <a:ext cx="1361735" cy="585537"/>
-            </a:xfrm>
-            <a:prstGeom prst="roundRect">
-              <a:avLst/>
-            </a:prstGeom>
-            <a:noFill/>
-            <a:ln w="28575">
-              <a:solidFill>
-                <a:schemeClr val="tx1"/>
-              </a:solidFill>
-            </a:ln>
-          </p:spPr>
-          <p:style>
-            <a:lnRef idx="2">
-              <a:schemeClr val="accent1">
-                <a:shade val="50000"/>
-              </a:schemeClr>
-            </a:lnRef>
-            <a:fillRef idx="1">
-              <a:schemeClr val="accent1"/>
-            </a:fillRef>
-            <a:effectRef idx="0">
-              <a:schemeClr val="accent1"/>
-            </a:effectRef>
-            <a:fontRef idx="minor">
-              <a:schemeClr val="lt1"/>
-            </a:fontRef>
-          </p:style>
-          <p:txBody>
-            <a:bodyPr rtlCol="0" anchor="ctr"/>
-            <a:lstStyle/>
-            <a:p>
-              <a:pPr algn="ctr"/>
-              <a:r>
-                <a:rPr kumimoji="1" lang="en-US" altLang="ja-JP" sz="2000">
+              </a:ln>
+            </p:spPr>
+            <p:style>
+              <a:lnRef idx="2">
+                <a:schemeClr val="accent1">
+                  <a:shade val="50000"/>
+                </a:schemeClr>
+              </a:lnRef>
+              <a:fillRef idx="1">
+                <a:schemeClr val="accent1"/>
+              </a:fillRef>
+              <a:effectRef idx="0">
+                <a:schemeClr val="accent1"/>
+              </a:effectRef>
+              <a:fontRef idx="minor">
+                <a:schemeClr val="lt1"/>
+              </a:fontRef>
+            </p:style>
+            <p:txBody>
+              <a:bodyPr rtlCol="0" anchor="ctr"/>
+              <a:lstStyle/>
+              <a:p>
+                <a:pPr algn="ctr"/>
+                <a:r>
+                  <a:rPr kumimoji="1" lang="en-US" altLang="ja-JP" sz="2000" dirty="0">
+                    <a:solidFill>
+                      <a:schemeClr val="tx1"/>
+                    </a:solidFill>
+                    <a:latin typeface="Segoe UI" panose="020B0502040204020203" pitchFamily="34" charset="0"/>
+                    <a:cs typeface="Segoe UI" panose="020B0502040204020203" pitchFamily="34" charset="0"/>
+                  </a:rPr>
+                  <a:t>GPT-3.5</a:t>
+                </a:r>
+                <a:endParaRPr kumimoji="1" lang="ja-JP" altLang="en-US" dirty="0">
                   <a:solidFill>
                     <a:schemeClr val="tx1"/>
                   </a:solidFill>
                   <a:latin typeface="Segoe UI" panose="020B0502040204020203" pitchFamily="34" charset="0"/>
                   <a:cs typeface="Segoe UI" panose="020B0502040204020203" pitchFamily="34" charset="0"/>
-                </a:rPr>
-                <a:t>GPT-3.5</a:t>
-              </a:r>
-              <a:endParaRPr kumimoji="1" lang="ja-JP" altLang="en-US" dirty="0">
+                </a:endParaRPr>
+              </a:p>
+            </p:txBody>
+          </p:sp>
+          <p:sp>
+            <p:nvSpPr>
+              <p:cNvPr id="35" name="四角形: 角を丸くする 34">
+                <a:extLst>
+                  <a:ext uri="{FF2B5EF4-FFF2-40B4-BE49-F238E27FC236}">
+                    <a16:creationId xmlns:a16="http://schemas.microsoft.com/office/drawing/2014/main" id="{312377E5-3581-C875-02AE-8B927CB1A156}"/>
+                  </a:ext>
+                </a:extLst>
+              </p:cNvPr>
+              <p:cNvSpPr/>
+              <p:nvPr/>
+            </p:nvSpPr>
+            <p:spPr>
+              <a:xfrm>
+                <a:off x="8058166" y="3434812"/>
+                <a:ext cx="1361735" cy="585537"/>
+              </a:xfrm>
+              <a:prstGeom prst="roundRect">
+                <a:avLst/>
+              </a:prstGeom>
+              <a:noFill/>
+              <a:ln w="28575">
                 <a:solidFill>
                   <a:schemeClr val="tx1"/>
                 </a:solidFill>
-                <a:latin typeface="Segoe UI" panose="020B0502040204020203" pitchFamily="34" charset="0"/>
-                <a:cs typeface="Segoe UI" panose="020B0502040204020203" pitchFamily="34" charset="0"/>
-              </a:endParaRPr>
-            </a:p>
-          </p:txBody>
-        </p:sp>
-        <p:sp>
-          <p:nvSpPr>
-            <p:cNvPr id="35" name="四角形: 角を丸くする 34">
-              <a:extLst>
-                <a:ext uri="{FF2B5EF4-FFF2-40B4-BE49-F238E27FC236}">
-                  <a16:creationId xmlns:a16="http://schemas.microsoft.com/office/drawing/2014/main" id="{312377E5-3581-C875-02AE-8B927CB1A156}"/>
-                </a:ext>
-              </a:extLst>
-            </p:cNvPr>
-            <p:cNvSpPr/>
-            <p:nvPr/>
-          </p:nvSpPr>
-          <p:spPr>
-            <a:xfrm>
-              <a:off x="8058166" y="3434812"/>
-              <a:ext cx="1361735" cy="585537"/>
-            </a:xfrm>
-            <a:prstGeom prst="roundRect">
-              <a:avLst/>
-            </a:prstGeom>
-            <a:noFill/>
-            <a:ln w="28575">
-              <a:solidFill>
-                <a:schemeClr val="tx1"/>
-              </a:solidFill>
-            </a:ln>
-          </p:spPr>
-          <p:style>
-            <a:lnRef idx="2">
-              <a:schemeClr val="accent1">
-                <a:shade val="50000"/>
-              </a:schemeClr>
-            </a:lnRef>
-            <a:fillRef idx="1">
-              <a:schemeClr val="accent1"/>
-            </a:fillRef>
-            <a:effectRef idx="0">
-              <a:schemeClr val="accent1"/>
-            </a:effectRef>
-            <a:fontRef idx="minor">
-              <a:schemeClr val="lt1"/>
-            </a:fontRef>
-          </p:style>
-          <p:txBody>
-            <a:bodyPr rtlCol="0" anchor="ctr"/>
-            <a:lstStyle/>
-            <a:p>
-              <a:pPr algn="ctr"/>
-              <a:r>
-                <a:rPr kumimoji="1" lang="en-US" altLang="ja-JP" sz="2000" dirty="0">
+              </a:ln>
+            </p:spPr>
+            <p:style>
+              <a:lnRef idx="2">
+                <a:schemeClr val="accent1">
+                  <a:shade val="50000"/>
+                </a:schemeClr>
+              </a:lnRef>
+              <a:fillRef idx="1">
+                <a:schemeClr val="accent1"/>
+              </a:fillRef>
+              <a:effectRef idx="0">
+                <a:schemeClr val="accent1"/>
+              </a:effectRef>
+              <a:fontRef idx="minor">
+                <a:schemeClr val="lt1"/>
+              </a:fontRef>
+            </p:style>
+            <p:txBody>
+              <a:bodyPr rtlCol="0" anchor="ctr"/>
+              <a:lstStyle/>
+              <a:p>
+                <a:pPr algn="ctr"/>
+                <a:r>
+                  <a:rPr kumimoji="1" lang="en-US" altLang="ja-JP" sz="2000" dirty="0">
+                    <a:solidFill>
+                      <a:schemeClr val="tx1"/>
+                    </a:solidFill>
+                    <a:latin typeface="Segoe UI" panose="020B0502040204020203" pitchFamily="34" charset="0"/>
+                    <a:cs typeface="Segoe UI" panose="020B0502040204020203" pitchFamily="34" charset="0"/>
+                  </a:rPr>
+                  <a:t>gTTS</a:t>
+                </a:r>
+                <a:endParaRPr kumimoji="1" lang="ja-JP" altLang="en-US" dirty="0">
                   <a:solidFill>
                     <a:schemeClr val="tx1"/>
                   </a:solidFill>
                   <a:latin typeface="Segoe UI" panose="020B0502040204020203" pitchFamily="34" charset="0"/>
                   <a:cs typeface="Segoe UI" panose="020B0502040204020203" pitchFamily="34" charset="0"/>
-                </a:rPr>
-                <a:t>gTTS</a:t>
-              </a:r>
-              <a:endParaRPr kumimoji="1" lang="ja-JP" altLang="en-US" dirty="0">
+                </a:endParaRPr>
+              </a:p>
+            </p:txBody>
+          </p:sp>
+          <p:sp>
+            <p:nvSpPr>
+              <p:cNvPr id="44" name="テキスト ボックス 43">
+                <a:extLst>
+                  <a:ext uri="{FF2B5EF4-FFF2-40B4-BE49-F238E27FC236}">
+                    <a16:creationId xmlns:a16="http://schemas.microsoft.com/office/drawing/2014/main" id="{AFF2AB93-E90B-7512-3D3A-599FA636FDA7}"/>
+                  </a:ext>
+                </a:extLst>
+              </p:cNvPr>
+              <p:cNvSpPr txBox="1"/>
+              <p:nvPr/>
+            </p:nvSpPr>
+            <p:spPr>
+              <a:xfrm>
+                <a:off x="4487811" y="2287637"/>
+                <a:ext cx="822661" cy="461665"/>
+              </a:xfrm>
+              <a:prstGeom prst="rect">
+                <a:avLst/>
+              </a:prstGeom>
+              <a:noFill/>
+            </p:spPr>
+            <p:txBody>
+              <a:bodyPr wrap="none" rtlCol="0">
+                <a:spAutoFit/>
+              </a:bodyPr>
+              <a:lstStyle/>
+              <a:p>
+                <a:r>
+                  <a:rPr kumimoji="1" lang="en-US" altLang="ja-JP" sz="2400" dirty="0">
+                    <a:latin typeface="Segoe UI Black" panose="020B0A02040204020203" pitchFamily="34" charset="0"/>
+                    <a:ea typeface="Segoe UI Black" panose="020B0A02040204020203" pitchFamily="34" charset="0"/>
+                    <a:cs typeface="Segoe UI" panose="020B0502040204020203" pitchFamily="34" charset="0"/>
+                  </a:rPr>
+                  <a:t>ABC</a:t>
+                </a:r>
+                <a:endParaRPr kumimoji="1" lang="en-US" altLang="ja-JP" dirty="0">
+                  <a:latin typeface="Segoe UI Black" panose="020B0A02040204020203" pitchFamily="34" charset="0"/>
+                  <a:ea typeface="Segoe UI Black" panose="020B0A02040204020203" pitchFamily="34" charset="0"/>
+                  <a:cs typeface="Segoe UI" panose="020B0502040204020203" pitchFamily="34" charset="0"/>
+                </a:endParaRPr>
+              </a:p>
+            </p:txBody>
+          </p:sp>
+          <p:sp>
+            <p:nvSpPr>
+              <p:cNvPr id="45" name="テキスト ボックス 44">
+                <a:extLst>
+                  <a:ext uri="{FF2B5EF4-FFF2-40B4-BE49-F238E27FC236}">
+                    <a16:creationId xmlns:a16="http://schemas.microsoft.com/office/drawing/2014/main" id="{960A1EDA-E6D9-F0E7-C167-8D7AC68672CB}"/>
+                  </a:ext>
+                </a:extLst>
+              </p:cNvPr>
+              <p:cNvSpPr txBox="1"/>
+              <p:nvPr/>
+            </p:nvSpPr>
+            <p:spPr>
+              <a:xfrm>
+                <a:off x="8814979" y="2287637"/>
+                <a:ext cx="822661" cy="461665"/>
+              </a:xfrm>
+              <a:prstGeom prst="rect">
+                <a:avLst/>
+              </a:prstGeom>
+              <a:noFill/>
+            </p:spPr>
+            <p:txBody>
+              <a:bodyPr wrap="none" rtlCol="0">
+                <a:spAutoFit/>
+              </a:bodyPr>
+              <a:lstStyle/>
+              <a:p>
+                <a:r>
+                  <a:rPr kumimoji="1" lang="en-US" altLang="ja-JP" sz="2400" dirty="0">
+                    <a:latin typeface="Segoe UI Black" panose="020B0A02040204020203" pitchFamily="34" charset="0"/>
+                    <a:ea typeface="Segoe UI Black" panose="020B0A02040204020203" pitchFamily="34" charset="0"/>
+                    <a:cs typeface="Segoe UI" panose="020B0502040204020203" pitchFamily="34" charset="0"/>
+                  </a:rPr>
+                  <a:t>ABC</a:t>
+                </a:r>
+                <a:endParaRPr kumimoji="1" lang="en-US" altLang="ja-JP" dirty="0">
+                  <a:latin typeface="Segoe UI Black" panose="020B0A02040204020203" pitchFamily="34" charset="0"/>
+                  <a:ea typeface="Segoe UI Black" panose="020B0A02040204020203" pitchFamily="34" charset="0"/>
+                  <a:cs typeface="Segoe UI" panose="020B0502040204020203" pitchFamily="34" charset="0"/>
+                </a:endParaRPr>
+              </a:p>
+            </p:txBody>
+          </p:sp>
+          <p:sp>
+            <p:nvSpPr>
+              <p:cNvPr id="2" name="正方形/長方形 1">
+                <a:extLst>
+                  <a:ext uri="{FF2B5EF4-FFF2-40B4-BE49-F238E27FC236}">
+                    <a16:creationId xmlns:a16="http://schemas.microsoft.com/office/drawing/2014/main" id="{85A5CA13-91C7-2BCC-572E-9746011FFC6B}"/>
+                  </a:ext>
+                </a:extLst>
+              </p:cNvPr>
+              <p:cNvSpPr/>
+              <p:nvPr/>
+            </p:nvSpPr>
+            <p:spPr>
+              <a:xfrm>
+                <a:off x="8685736" y="3190412"/>
+                <a:ext cx="98069" cy="248400"/>
+              </a:xfrm>
+              <a:prstGeom prst="rect">
+                <a:avLst/>
+              </a:prstGeom>
+              <a:solidFill>
+                <a:schemeClr val="tx1"/>
+              </a:solidFill>
+              <a:ln>
+                <a:noFill/>
+              </a:ln>
+            </p:spPr>
+            <p:style>
+              <a:lnRef idx="2">
+                <a:schemeClr val="accent1">
+                  <a:shade val="50000"/>
+                </a:schemeClr>
+              </a:lnRef>
+              <a:fillRef idx="1">
+                <a:schemeClr val="accent1"/>
+              </a:fillRef>
+              <a:effectRef idx="0">
+                <a:schemeClr val="accent1"/>
+              </a:effectRef>
+              <a:fontRef idx="minor">
+                <a:schemeClr val="lt1"/>
+              </a:fontRef>
+            </p:style>
+            <p:txBody>
+              <a:bodyPr rtlCol="0" anchor="ctr"/>
+              <a:lstStyle/>
+              <a:p>
+                <a:pPr algn="ctr"/>
+                <a:endParaRPr kumimoji="1" lang="ja-JP" altLang="en-US"/>
+              </a:p>
+            </p:txBody>
+          </p:sp>
+          <p:sp>
+            <p:nvSpPr>
+              <p:cNvPr id="3" name="矢印: 上 2">
+                <a:extLst>
+                  <a:ext uri="{FF2B5EF4-FFF2-40B4-BE49-F238E27FC236}">
+                    <a16:creationId xmlns:a16="http://schemas.microsoft.com/office/drawing/2014/main" id="{99628405-DBFE-2096-3CD0-9308CD54CF14}"/>
+                  </a:ext>
+                </a:extLst>
+              </p:cNvPr>
+              <p:cNvSpPr/>
+              <p:nvPr/>
+            </p:nvSpPr>
+            <p:spPr>
+              <a:xfrm rot="10800000">
+                <a:off x="8606774" y="4018577"/>
+                <a:ext cx="255992" cy="284400"/>
+              </a:xfrm>
+              <a:prstGeom prst="upArrow">
+                <a:avLst>
+                  <a:gd name="adj1" fmla="val 37383"/>
+                  <a:gd name="adj2" fmla="val 55566"/>
+                </a:avLst>
+              </a:prstGeom>
+              <a:solidFill>
+                <a:schemeClr val="tx1"/>
+              </a:solidFill>
+              <a:ln>
+                <a:noFill/>
+              </a:ln>
+            </p:spPr>
+            <p:style>
+              <a:lnRef idx="2">
+                <a:schemeClr val="accent1">
+                  <a:shade val="50000"/>
+                </a:schemeClr>
+              </a:lnRef>
+              <a:fillRef idx="1">
+                <a:schemeClr val="accent1"/>
+              </a:fillRef>
+              <a:effectRef idx="0">
+                <a:schemeClr val="accent1"/>
+              </a:effectRef>
+              <a:fontRef idx="minor">
+                <a:schemeClr val="lt1"/>
+              </a:fontRef>
+            </p:style>
+            <p:txBody>
+              <a:bodyPr rtlCol="0" anchor="ctr"/>
+              <a:lstStyle/>
+              <a:p>
+                <a:pPr algn="ctr"/>
+                <a:endParaRPr kumimoji="1" lang="ja-JP" altLang="en-US"/>
+              </a:p>
+            </p:txBody>
+          </p:sp>
+          <p:sp>
+            <p:nvSpPr>
+              <p:cNvPr id="4" name="矢印: 上 3">
+                <a:extLst>
+                  <a:ext uri="{FF2B5EF4-FFF2-40B4-BE49-F238E27FC236}">
+                    <a16:creationId xmlns:a16="http://schemas.microsoft.com/office/drawing/2014/main" id="{D38CDF64-343B-DC98-C5B2-D1B5697B51C6}"/>
+                  </a:ext>
+                </a:extLst>
+              </p:cNvPr>
+              <p:cNvSpPr/>
+              <p:nvPr/>
+            </p:nvSpPr>
+            <p:spPr>
+              <a:xfrm rot="5400000">
+                <a:off x="7227626" y="2376269"/>
+                <a:ext cx="255992" cy="284400"/>
+              </a:xfrm>
+              <a:prstGeom prst="upArrow">
+                <a:avLst>
+                  <a:gd name="adj1" fmla="val 37383"/>
+                  <a:gd name="adj2" fmla="val 55566"/>
+                </a:avLst>
+              </a:prstGeom>
+              <a:solidFill>
+                <a:schemeClr val="tx1"/>
+              </a:solidFill>
+              <a:ln>
+                <a:noFill/>
+              </a:ln>
+            </p:spPr>
+            <p:style>
+              <a:lnRef idx="2">
+                <a:schemeClr val="accent1">
+                  <a:shade val="50000"/>
+                </a:schemeClr>
+              </a:lnRef>
+              <a:fillRef idx="1">
+                <a:schemeClr val="accent1"/>
+              </a:fillRef>
+              <a:effectRef idx="0">
+                <a:schemeClr val="accent1"/>
+              </a:effectRef>
+              <a:fontRef idx="minor">
+                <a:schemeClr val="lt1"/>
+              </a:fontRef>
+            </p:style>
+            <p:txBody>
+              <a:bodyPr rtlCol="0" anchor="ctr"/>
+              <a:lstStyle/>
+              <a:p>
+                <a:pPr algn="ctr"/>
+                <a:endParaRPr kumimoji="1" lang="ja-JP" altLang="en-US"/>
+              </a:p>
+            </p:txBody>
+          </p:sp>
+          <p:sp>
+            <p:nvSpPr>
+              <p:cNvPr id="5" name="正方形/長方形 4">
+                <a:extLst>
+                  <a:ext uri="{FF2B5EF4-FFF2-40B4-BE49-F238E27FC236}">
+                    <a16:creationId xmlns:a16="http://schemas.microsoft.com/office/drawing/2014/main" id="{1DE4BF73-C9A8-4823-3407-E9593EB4E3ED}"/>
+                  </a:ext>
+                </a:extLst>
+              </p:cNvPr>
+              <p:cNvSpPr/>
+              <p:nvPr/>
+            </p:nvSpPr>
+            <p:spPr>
+              <a:xfrm rot="5400000">
+                <a:off x="5678452" y="2394269"/>
+                <a:ext cx="98069" cy="248400"/>
+              </a:xfrm>
+              <a:prstGeom prst="rect">
+                <a:avLst/>
+              </a:prstGeom>
+              <a:solidFill>
+                <a:schemeClr val="tx1"/>
+              </a:solidFill>
+              <a:ln>
+                <a:noFill/>
+              </a:ln>
+            </p:spPr>
+            <p:style>
+              <a:lnRef idx="2">
+                <a:schemeClr val="accent1">
+                  <a:shade val="50000"/>
+                </a:schemeClr>
+              </a:lnRef>
+              <a:fillRef idx="1">
+                <a:schemeClr val="accent1"/>
+              </a:fillRef>
+              <a:effectRef idx="0">
+                <a:schemeClr val="accent1"/>
+              </a:effectRef>
+              <a:fontRef idx="minor">
+                <a:schemeClr val="lt1"/>
+              </a:fontRef>
+            </p:style>
+            <p:txBody>
+              <a:bodyPr rtlCol="0" anchor="ctr"/>
+              <a:lstStyle/>
+              <a:p>
+                <a:pPr algn="ctr"/>
+                <a:endParaRPr kumimoji="1" lang="ja-JP" altLang="en-US"/>
+              </a:p>
+            </p:txBody>
+          </p:sp>
+        </p:grpSp>
+        <p:grpSp>
+          <p:nvGrpSpPr>
+            <p:cNvPr id="7" name="グループ化 6">
+              <a:extLst>
+                <a:ext uri="{FF2B5EF4-FFF2-40B4-BE49-F238E27FC236}">
+                  <a16:creationId xmlns:a16="http://schemas.microsoft.com/office/drawing/2014/main" id="{8B8EB076-9A8E-871E-2DAE-EACB0D63AE1C}"/>
+                </a:ext>
+              </a:extLst>
+            </p:cNvPr>
+            <p:cNvGrpSpPr/>
+            <p:nvPr/>
+          </p:nvGrpSpPr>
+          <p:grpSpPr>
+            <a:xfrm>
+              <a:off x="5603286" y="4436737"/>
+              <a:ext cx="1858537" cy="914400"/>
+              <a:chOff x="5603286" y="4436737"/>
+              <a:chExt cx="1858537" cy="914400"/>
+            </a:xfrm>
+          </p:grpSpPr>
+          <p:sp>
+            <p:nvSpPr>
+              <p:cNvPr id="9" name="楕円 8">
+                <a:extLst>
+                  <a:ext uri="{FF2B5EF4-FFF2-40B4-BE49-F238E27FC236}">
+                    <a16:creationId xmlns:a16="http://schemas.microsoft.com/office/drawing/2014/main" id="{1EFD32EA-C69E-E8F5-3BAA-751950B98CA7}"/>
+                  </a:ext>
+                </a:extLst>
+              </p:cNvPr>
+              <p:cNvSpPr/>
+              <p:nvPr/>
+            </p:nvSpPr>
+            <p:spPr>
+              <a:xfrm>
+                <a:off x="6075354" y="4436737"/>
+                <a:ext cx="914400" cy="914400"/>
+              </a:xfrm>
+              <a:prstGeom prst="ellipse">
+                <a:avLst/>
+              </a:prstGeom>
+              <a:noFill/>
+              <a:ln w="28575">
                 <a:solidFill>
                   <a:schemeClr val="tx1"/>
                 </a:solidFill>
-                <a:latin typeface="Segoe UI" panose="020B0502040204020203" pitchFamily="34" charset="0"/>
-                <a:cs typeface="Segoe UI" panose="020B0502040204020203" pitchFamily="34" charset="0"/>
-              </a:endParaRPr>
-            </a:p>
-          </p:txBody>
-        </p:sp>
-        <p:sp>
-          <p:nvSpPr>
-            <p:cNvPr id="44" name="テキスト ボックス 43">
-              <a:extLst>
-                <a:ext uri="{FF2B5EF4-FFF2-40B4-BE49-F238E27FC236}">
-                  <a16:creationId xmlns:a16="http://schemas.microsoft.com/office/drawing/2014/main" id="{AFF2AB93-E90B-7512-3D3A-599FA636FDA7}"/>
-                </a:ext>
-              </a:extLst>
-            </p:cNvPr>
-            <p:cNvSpPr txBox="1"/>
-            <p:nvPr/>
-          </p:nvSpPr>
-          <p:spPr>
-            <a:xfrm>
-              <a:off x="4487811" y="2287637"/>
-              <a:ext cx="822661" cy="461665"/>
-            </a:xfrm>
-            <a:prstGeom prst="rect">
-              <a:avLst/>
-            </a:prstGeom>
-            <a:noFill/>
-          </p:spPr>
-          <p:txBody>
-            <a:bodyPr wrap="none" rtlCol="0">
-              <a:spAutoFit/>
-            </a:bodyPr>
-            <a:lstStyle/>
-            <a:p>
-              <a:r>
-                <a:rPr kumimoji="1" lang="en-US" altLang="ja-JP" sz="2400" dirty="0">
-                  <a:latin typeface="Segoe UI Black" panose="020B0A02040204020203" pitchFamily="34" charset="0"/>
-                  <a:ea typeface="Segoe UI Black" panose="020B0A02040204020203" pitchFamily="34" charset="0"/>
+              </a:ln>
+            </p:spPr>
+            <p:style>
+              <a:lnRef idx="2">
+                <a:schemeClr val="accent1">
+                  <a:shade val="50000"/>
+                </a:schemeClr>
+              </a:lnRef>
+              <a:fillRef idx="1">
+                <a:schemeClr val="accent1"/>
+              </a:fillRef>
+              <a:effectRef idx="0">
+                <a:schemeClr val="accent1"/>
+              </a:effectRef>
+              <a:fontRef idx="minor">
+                <a:schemeClr val="lt1"/>
+              </a:fontRef>
+            </p:style>
+            <p:txBody>
+              <a:bodyPr rtlCol="0" anchor="ctr"/>
+              <a:lstStyle/>
+              <a:p>
+                <a:pPr algn="ctr"/>
+                <a:r>
+                  <a:rPr kumimoji="1" lang="en-US" altLang="ja-JP" sz="2000" dirty="0">
+                    <a:solidFill>
+                      <a:schemeClr val="tx1"/>
+                    </a:solidFill>
+                    <a:latin typeface="Segoe UI" panose="020B0502040204020203" pitchFamily="34" charset="0"/>
+                    <a:cs typeface="Segoe UI" panose="020B0502040204020203" pitchFamily="34" charset="0"/>
+                  </a:rPr>
+                  <a:t>Talk</a:t>
+                </a:r>
+                <a:endParaRPr kumimoji="1" lang="ja-JP" altLang="en-US" sz="2000" dirty="0">
+                  <a:solidFill>
+                    <a:schemeClr val="tx1"/>
+                  </a:solidFill>
+                  <a:latin typeface="Segoe UI" panose="020B0502040204020203" pitchFamily="34" charset="0"/>
                   <a:cs typeface="Segoe UI" panose="020B0502040204020203" pitchFamily="34" charset="0"/>
-                </a:rPr>
-                <a:t>ABC</a:t>
-              </a:r>
-              <a:endParaRPr kumimoji="1" lang="en-US" altLang="ja-JP" dirty="0">
-                <a:latin typeface="Segoe UI Black" panose="020B0A02040204020203" pitchFamily="34" charset="0"/>
-                <a:ea typeface="Segoe UI Black" panose="020B0A02040204020203" pitchFamily="34" charset="0"/>
-                <a:cs typeface="Segoe UI" panose="020B0502040204020203" pitchFamily="34" charset="0"/>
-              </a:endParaRPr>
-            </a:p>
-          </p:txBody>
-        </p:sp>
-        <p:sp>
-          <p:nvSpPr>
-            <p:cNvPr id="45" name="テキスト ボックス 44">
-              <a:extLst>
-                <a:ext uri="{FF2B5EF4-FFF2-40B4-BE49-F238E27FC236}">
-                  <a16:creationId xmlns:a16="http://schemas.microsoft.com/office/drawing/2014/main" id="{960A1EDA-E6D9-F0E7-C167-8D7AC68672CB}"/>
-                </a:ext>
-              </a:extLst>
-            </p:cNvPr>
-            <p:cNvSpPr txBox="1"/>
-            <p:nvPr/>
-          </p:nvSpPr>
-          <p:spPr>
-            <a:xfrm>
-              <a:off x="8814979" y="2287637"/>
-              <a:ext cx="822661" cy="461665"/>
-            </a:xfrm>
-            <a:prstGeom prst="rect">
-              <a:avLst/>
-            </a:prstGeom>
-            <a:noFill/>
-          </p:spPr>
-          <p:txBody>
-            <a:bodyPr wrap="none" rtlCol="0">
-              <a:spAutoFit/>
-            </a:bodyPr>
-            <a:lstStyle/>
-            <a:p>
-              <a:r>
-                <a:rPr kumimoji="1" lang="en-US" altLang="ja-JP" sz="2400" dirty="0">
-                  <a:latin typeface="Segoe UI Black" panose="020B0A02040204020203" pitchFamily="34" charset="0"/>
-                  <a:ea typeface="Segoe UI Black" panose="020B0A02040204020203" pitchFamily="34" charset="0"/>
-                  <a:cs typeface="Segoe UI" panose="020B0502040204020203" pitchFamily="34" charset="0"/>
-                </a:rPr>
-                <a:t>ABC</a:t>
-              </a:r>
-              <a:endParaRPr kumimoji="1" lang="en-US" altLang="ja-JP" dirty="0">
-                <a:latin typeface="Segoe UI Black" panose="020B0A02040204020203" pitchFamily="34" charset="0"/>
-                <a:ea typeface="Segoe UI Black" panose="020B0A02040204020203" pitchFamily="34" charset="0"/>
-                <a:cs typeface="Segoe UI" panose="020B0502040204020203" pitchFamily="34" charset="0"/>
-              </a:endParaRPr>
-            </a:p>
-          </p:txBody>
-        </p:sp>
-        <p:sp>
-          <p:nvSpPr>
-            <p:cNvPr id="2" name="正方形/長方形 1">
-              <a:extLst>
-                <a:ext uri="{FF2B5EF4-FFF2-40B4-BE49-F238E27FC236}">
-                  <a16:creationId xmlns:a16="http://schemas.microsoft.com/office/drawing/2014/main" id="{85A5CA13-91C7-2BCC-572E-9746011FFC6B}"/>
-                </a:ext>
-              </a:extLst>
-            </p:cNvPr>
-            <p:cNvSpPr/>
-            <p:nvPr/>
-          </p:nvSpPr>
-          <p:spPr>
-            <a:xfrm>
-              <a:off x="8685736" y="3190412"/>
-              <a:ext cx="98069" cy="248400"/>
-            </a:xfrm>
-            <a:prstGeom prst="rect">
-              <a:avLst/>
-            </a:prstGeom>
-            <a:solidFill>
-              <a:schemeClr val="tx1"/>
-            </a:solidFill>
-            <a:ln>
-              <a:noFill/>
-            </a:ln>
-          </p:spPr>
-          <p:style>
-            <a:lnRef idx="2">
-              <a:schemeClr val="accent1">
-                <a:shade val="50000"/>
-              </a:schemeClr>
-            </a:lnRef>
-            <a:fillRef idx="1">
-              <a:schemeClr val="accent1"/>
-            </a:fillRef>
-            <a:effectRef idx="0">
-              <a:schemeClr val="accent1"/>
-            </a:effectRef>
-            <a:fontRef idx="minor">
-              <a:schemeClr val="lt1"/>
-            </a:fontRef>
-          </p:style>
-          <p:txBody>
-            <a:bodyPr rtlCol="0" anchor="ctr"/>
-            <a:lstStyle/>
-            <a:p>
-              <a:pPr algn="ctr"/>
-              <a:endParaRPr kumimoji="1" lang="ja-JP" altLang="en-US"/>
-            </a:p>
-          </p:txBody>
-        </p:sp>
-        <p:sp>
-          <p:nvSpPr>
-            <p:cNvPr id="3" name="矢印: 上 2">
-              <a:extLst>
-                <a:ext uri="{FF2B5EF4-FFF2-40B4-BE49-F238E27FC236}">
-                  <a16:creationId xmlns:a16="http://schemas.microsoft.com/office/drawing/2014/main" id="{99628405-DBFE-2096-3CD0-9308CD54CF14}"/>
-                </a:ext>
-              </a:extLst>
-            </p:cNvPr>
-            <p:cNvSpPr/>
-            <p:nvPr/>
-          </p:nvSpPr>
-          <p:spPr>
-            <a:xfrm rot="10800000">
-              <a:off x="8606774" y="4018577"/>
-              <a:ext cx="255992" cy="284400"/>
-            </a:xfrm>
-            <a:prstGeom prst="upArrow">
-              <a:avLst>
-                <a:gd name="adj1" fmla="val 37383"/>
-                <a:gd name="adj2" fmla="val 55566"/>
-              </a:avLst>
-            </a:prstGeom>
-            <a:solidFill>
-              <a:schemeClr val="tx1"/>
-            </a:solidFill>
-            <a:ln>
-              <a:noFill/>
-            </a:ln>
-          </p:spPr>
-          <p:style>
-            <a:lnRef idx="2">
-              <a:schemeClr val="accent1">
-                <a:shade val="50000"/>
-              </a:schemeClr>
-            </a:lnRef>
-            <a:fillRef idx="1">
-              <a:schemeClr val="accent1"/>
-            </a:fillRef>
-            <a:effectRef idx="0">
-              <a:schemeClr val="accent1"/>
-            </a:effectRef>
-            <a:fontRef idx="minor">
-              <a:schemeClr val="lt1"/>
-            </a:fontRef>
-          </p:style>
-          <p:txBody>
-            <a:bodyPr rtlCol="0" anchor="ctr"/>
-            <a:lstStyle/>
-            <a:p>
-              <a:pPr algn="ctr"/>
-              <a:endParaRPr kumimoji="1" lang="ja-JP" altLang="en-US"/>
-            </a:p>
-          </p:txBody>
-        </p:sp>
-        <p:sp>
-          <p:nvSpPr>
-            <p:cNvPr id="4" name="矢印: 上 3">
-              <a:extLst>
-                <a:ext uri="{FF2B5EF4-FFF2-40B4-BE49-F238E27FC236}">
-                  <a16:creationId xmlns:a16="http://schemas.microsoft.com/office/drawing/2014/main" id="{D38CDF64-343B-DC98-C5B2-D1B5697B51C6}"/>
-                </a:ext>
-              </a:extLst>
-            </p:cNvPr>
-            <p:cNvSpPr/>
-            <p:nvPr/>
-          </p:nvSpPr>
-          <p:spPr>
-            <a:xfrm rot="5400000">
-              <a:off x="7227626" y="2376269"/>
-              <a:ext cx="255992" cy="284400"/>
-            </a:xfrm>
-            <a:prstGeom prst="upArrow">
-              <a:avLst>
-                <a:gd name="adj1" fmla="val 37383"/>
-                <a:gd name="adj2" fmla="val 55566"/>
-              </a:avLst>
-            </a:prstGeom>
-            <a:solidFill>
-              <a:schemeClr val="tx1"/>
-            </a:solidFill>
-            <a:ln>
-              <a:noFill/>
-            </a:ln>
-          </p:spPr>
-          <p:style>
-            <a:lnRef idx="2">
-              <a:schemeClr val="accent1">
-                <a:shade val="50000"/>
-              </a:schemeClr>
-            </a:lnRef>
-            <a:fillRef idx="1">
-              <a:schemeClr val="accent1"/>
-            </a:fillRef>
-            <a:effectRef idx="0">
-              <a:schemeClr val="accent1"/>
-            </a:effectRef>
-            <a:fontRef idx="minor">
-              <a:schemeClr val="lt1"/>
-            </a:fontRef>
-          </p:style>
-          <p:txBody>
-            <a:bodyPr rtlCol="0" anchor="ctr"/>
-            <a:lstStyle/>
-            <a:p>
-              <a:pPr algn="ctr"/>
-              <a:endParaRPr kumimoji="1" lang="ja-JP" altLang="en-US"/>
-            </a:p>
-          </p:txBody>
-        </p:sp>
-        <p:sp>
-          <p:nvSpPr>
-            <p:cNvPr id="5" name="正方形/長方形 4">
-              <a:extLst>
-                <a:ext uri="{FF2B5EF4-FFF2-40B4-BE49-F238E27FC236}">
-                  <a16:creationId xmlns:a16="http://schemas.microsoft.com/office/drawing/2014/main" id="{1DE4BF73-C9A8-4823-3407-E9593EB4E3ED}"/>
-                </a:ext>
-              </a:extLst>
-            </p:cNvPr>
-            <p:cNvSpPr/>
-            <p:nvPr/>
-          </p:nvSpPr>
-          <p:spPr>
-            <a:xfrm rot="5400000">
-              <a:off x="5678452" y="2394269"/>
-              <a:ext cx="98069" cy="248400"/>
-            </a:xfrm>
-            <a:prstGeom prst="rect">
-              <a:avLst/>
-            </a:prstGeom>
-            <a:solidFill>
-              <a:schemeClr val="tx1"/>
-            </a:solidFill>
-            <a:ln>
-              <a:noFill/>
-            </a:ln>
-          </p:spPr>
-          <p:style>
-            <a:lnRef idx="2">
-              <a:schemeClr val="accent1">
-                <a:shade val="50000"/>
-              </a:schemeClr>
-            </a:lnRef>
-            <a:fillRef idx="1">
-              <a:schemeClr val="accent1"/>
-            </a:fillRef>
-            <a:effectRef idx="0">
-              <a:schemeClr val="accent1"/>
-            </a:effectRef>
-            <a:fontRef idx="minor">
-              <a:schemeClr val="lt1"/>
-            </a:fontRef>
-          </p:style>
-          <p:txBody>
-            <a:bodyPr rtlCol="0" anchor="ctr"/>
-            <a:lstStyle/>
-            <a:p>
-              <a:pPr algn="ctr"/>
-              <a:endParaRPr kumimoji="1" lang="ja-JP" altLang="en-US"/>
-            </a:p>
-          </p:txBody>
-        </p:sp>
+                </a:endParaRPr>
+              </a:p>
+            </p:txBody>
+          </p:sp>
+          <p:sp>
+            <p:nvSpPr>
+              <p:cNvPr id="10" name="矢印: 上 9">
+                <a:extLst>
+                  <a:ext uri="{FF2B5EF4-FFF2-40B4-BE49-F238E27FC236}">
+                    <a16:creationId xmlns:a16="http://schemas.microsoft.com/office/drawing/2014/main" id="{FDC0383A-7EA1-58D6-5496-69E020B6DE83}"/>
+                  </a:ext>
+                </a:extLst>
+              </p:cNvPr>
+              <p:cNvSpPr/>
+              <p:nvPr/>
+            </p:nvSpPr>
+            <p:spPr>
+              <a:xfrm rot="5400000">
+                <a:off x="5711323" y="4657903"/>
+                <a:ext cx="255993" cy="472068"/>
+              </a:xfrm>
+              <a:prstGeom prst="upArrow">
+                <a:avLst>
+                  <a:gd name="adj1" fmla="val 37383"/>
+                  <a:gd name="adj2" fmla="val 55566"/>
+                </a:avLst>
+              </a:prstGeom>
+              <a:solidFill>
+                <a:schemeClr val="tx1"/>
+              </a:solidFill>
+              <a:ln>
+                <a:noFill/>
+              </a:ln>
+            </p:spPr>
+            <p:style>
+              <a:lnRef idx="2">
+                <a:schemeClr val="accent1">
+                  <a:shade val="50000"/>
+                </a:schemeClr>
+              </a:lnRef>
+              <a:fillRef idx="1">
+                <a:schemeClr val="accent1"/>
+              </a:fillRef>
+              <a:effectRef idx="0">
+                <a:schemeClr val="accent1"/>
+              </a:effectRef>
+              <a:fontRef idx="minor">
+                <a:schemeClr val="lt1"/>
+              </a:fontRef>
+            </p:style>
+            <p:txBody>
+              <a:bodyPr rtlCol="0" anchor="ctr"/>
+              <a:lstStyle/>
+              <a:p>
+                <a:pPr algn="ctr"/>
+                <a:endParaRPr kumimoji="1" lang="ja-JP" altLang="en-US"/>
+              </a:p>
+            </p:txBody>
+          </p:sp>
+          <p:sp>
+            <p:nvSpPr>
+              <p:cNvPr id="17" name="矢印: 上 16">
+                <a:extLst>
+                  <a:ext uri="{FF2B5EF4-FFF2-40B4-BE49-F238E27FC236}">
+                    <a16:creationId xmlns:a16="http://schemas.microsoft.com/office/drawing/2014/main" id="{CFAD8CB3-18CB-80A8-3AC7-A447F3705EF5}"/>
+                  </a:ext>
+                </a:extLst>
+              </p:cNvPr>
+              <p:cNvSpPr/>
+              <p:nvPr/>
+            </p:nvSpPr>
+            <p:spPr>
+              <a:xfrm rot="16200000">
+                <a:off x="7121053" y="4657903"/>
+                <a:ext cx="209472" cy="472068"/>
+              </a:xfrm>
+              <a:prstGeom prst="upArrow">
+                <a:avLst>
+                  <a:gd name="adj1" fmla="val 37383"/>
+                  <a:gd name="adj2" fmla="val 55566"/>
+                </a:avLst>
+              </a:prstGeom>
+              <a:solidFill>
+                <a:schemeClr val="tx1"/>
+              </a:solidFill>
+              <a:ln>
+                <a:noFill/>
+              </a:ln>
+            </p:spPr>
+            <p:style>
+              <a:lnRef idx="2">
+                <a:schemeClr val="accent1">
+                  <a:shade val="50000"/>
+                </a:schemeClr>
+              </a:lnRef>
+              <a:fillRef idx="1">
+                <a:schemeClr val="accent1"/>
+              </a:fillRef>
+              <a:effectRef idx="0">
+                <a:schemeClr val="accent1"/>
+              </a:effectRef>
+              <a:fontRef idx="minor">
+                <a:schemeClr val="lt1"/>
+              </a:fontRef>
+            </p:style>
+            <p:txBody>
+              <a:bodyPr rtlCol="0" anchor="ctr"/>
+              <a:lstStyle/>
+              <a:p>
+                <a:pPr algn="ctr"/>
+                <a:endParaRPr kumimoji="1" lang="ja-JP" altLang="en-US"/>
+              </a:p>
+            </p:txBody>
+          </p:sp>
+        </p:grpSp>
       </p:grpSp>
     </p:spTree>
     <p:extLst>

--- a/static/image/architecture.pptx
+++ b/static/image/architecture.pptx
@@ -259,7 +259,7 @@
           <a:p>
             <a:fld id="{4A45BFCD-7E09-4E02-989A-CF296461D097}" type="datetimeFigureOut">
               <a:rPr kumimoji="1" lang="ja-JP" altLang="en-US" smtClean="0"/>
-              <a:t>2023/5/2</a:t>
+              <a:t>2023/7/7</a:t>
             </a:fld>
             <a:endParaRPr kumimoji="1" lang="ja-JP" altLang="en-US"/>
           </a:p>
@@ -489,7 +489,7 @@
           <a:p>
             <a:fld id="{4A45BFCD-7E09-4E02-989A-CF296461D097}" type="datetimeFigureOut">
               <a:rPr kumimoji="1" lang="ja-JP" altLang="en-US" smtClean="0"/>
-              <a:t>2023/5/2</a:t>
+              <a:t>2023/7/7</a:t>
             </a:fld>
             <a:endParaRPr kumimoji="1" lang="ja-JP" altLang="en-US"/>
           </a:p>
@@ -729,7 +729,7 @@
           <a:p>
             <a:fld id="{4A45BFCD-7E09-4E02-989A-CF296461D097}" type="datetimeFigureOut">
               <a:rPr kumimoji="1" lang="ja-JP" altLang="en-US" smtClean="0"/>
-              <a:t>2023/5/2</a:t>
+              <a:t>2023/7/7</a:t>
             </a:fld>
             <a:endParaRPr kumimoji="1" lang="ja-JP" altLang="en-US"/>
           </a:p>
@@ -959,7 +959,7 @@
           <a:p>
             <a:fld id="{4A45BFCD-7E09-4E02-989A-CF296461D097}" type="datetimeFigureOut">
               <a:rPr kumimoji="1" lang="ja-JP" altLang="en-US" smtClean="0"/>
-              <a:t>2023/5/2</a:t>
+              <a:t>2023/7/7</a:t>
             </a:fld>
             <a:endParaRPr kumimoji="1" lang="ja-JP" altLang="en-US"/>
           </a:p>
@@ -1234,7 +1234,7 @@
           <a:p>
             <a:fld id="{4A45BFCD-7E09-4E02-989A-CF296461D097}" type="datetimeFigureOut">
               <a:rPr kumimoji="1" lang="ja-JP" altLang="en-US" smtClean="0"/>
-              <a:t>2023/5/2</a:t>
+              <a:t>2023/7/7</a:t>
             </a:fld>
             <a:endParaRPr kumimoji="1" lang="ja-JP" altLang="en-US"/>
           </a:p>
@@ -1563,7 +1563,7 @@
           <a:p>
             <a:fld id="{4A45BFCD-7E09-4E02-989A-CF296461D097}" type="datetimeFigureOut">
               <a:rPr kumimoji="1" lang="ja-JP" altLang="en-US" smtClean="0"/>
-              <a:t>2023/5/2</a:t>
+              <a:t>2023/7/7</a:t>
             </a:fld>
             <a:endParaRPr kumimoji="1" lang="ja-JP" altLang="en-US"/>
           </a:p>
@@ -2039,7 +2039,7 @@
           <a:p>
             <a:fld id="{4A45BFCD-7E09-4E02-989A-CF296461D097}" type="datetimeFigureOut">
               <a:rPr kumimoji="1" lang="ja-JP" altLang="en-US" smtClean="0"/>
-              <a:t>2023/5/2</a:t>
+              <a:t>2023/7/7</a:t>
             </a:fld>
             <a:endParaRPr kumimoji="1" lang="ja-JP" altLang="en-US"/>
           </a:p>
@@ -2180,7 +2180,7 @@
           <a:p>
             <a:fld id="{4A45BFCD-7E09-4E02-989A-CF296461D097}" type="datetimeFigureOut">
               <a:rPr kumimoji="1" lang="ja-JP" altLang="en-US" smtClean="0"/>
-              <a:t>2023/5/2</a:t>
+              <a:t>2023/7/7</a:t>
             </a:fld>
             <a:endParaRPr kumimoji="1" lang="ja-JP" altLang="en-US"/>
           </a:p>
@@ -2293,7 +2293,7 @@
           <a:p>
             <a:fld id="{4A45BFCD-7E09-4E02-989A-CF296461D097}" type="datetimeFigureOut">
               <a:rPr kumimoji="1" lang="ja-JP" altLang="en-US" smtClean="0"/>
-              <a:t>2023/5/2</a:t>
+              <a:t>2023/7/7</a:t>
             </a:fld>
             <a:endParaRPr kumimoji="1" lang="ja-JP" altLang="en-US"/>
           </a:p>
@@ -2636,7 +2636,7 @@
           <a:p>
             <a:fld id="{4A45BFCD-7E09-4E02-989A-CF296461D097}" type="datetimeFigureOut">
               <a:rPr kumimoji="1" lang="ja-JP" altLang="en-US" smtClean="0"/>
-              <a:t>2023/5/2</a:t>
+              <a:t>2023/7/7</a:t>
             </a:fld>
             <a:endParaRPr kumimoji="1" lang="ja-JP" altLang="en-US"/>
           </a:p>
@@ -2924,7 +2924,7 @@
           <a:p>
             <a:fld id="{4A45BFCD-7E09-4E02-989A-CF296461D097}" type="datetimeFigureOut">
               <a:rPr kumimoji="1" lang="ja-JP" altLang="en-US" smtClean="0"/>
-              <a:t>2023/5/2</a:t>
+              <a:t>2023/7/7</a:t>
             </a:fld>
             <a:endParaRPr kumimoji="1" lang="ja-JP" altLang="en-US"/>
           </a:p>
@@ -3197,7 +3197,7 @@
           <a:p>
             <a:fld id="{4A45BFCD-7E09-4E02-989A-CF296461D097}" type="datetimeFigureOut">
               <a:rPr kumimoji="1" lang="ja-JP" altLang="en-US" smtClean="0"/>
-              <a:t>2023/5/2</a:t>
+              <a:t>2023/7/7</a:t>
             </a:fld>
             <a:endParaRPr kumimoji="1" lang="ja-JP" altLang="en-US"/>
           </a:p>
@@ -4311,14 +4311,14 @@
               <a:p>
                 <a:pPr algn="ctr"/>
                 <a:r>
-                  <a:rPr kumimoji="1" lang="en-US" altLang="ja-JP" sz="2000" dirty="0">
+                  <a:rPr kumimoji="1" lang="en-US" altLang="ja-JP" sz="2000">
                     <a:solidFill>
                       <a:schemeClr val="tx1"/>
                     </a:solidFill>
                     <a:latin typeface="Segoe UI" panose="020B0502040204020203" pitchFamily="34" charset="0"/>
                     <a:cs typeface="Segoe UI" panose="020B0502040204020203" pitchFamily="34" charset="0"/>
                   </a:rPr>
-                  <a:t>GPT-3.5</a:t>
+                  <a:t>GPT</a:t>
                 </a:r>
                 <a:endParaRPr kumimoji="1" lang="ja-JP" altLang="en-US" dirty="0">
                   <a:solidFill>
